--- a/화면구성/to최원석부장님/5. 1월18일 에너지/에너지 화면구성.pptx
+++ b/화면구성/to최원석부장님/5. 1월18일 에너지/에너지 화면구성.pptx
@@ -7,11 +7,13 @@
   <p:sldIdLst>
     <p:sldId id="263" r:id="rId2"/>
     <p:sldId id="264" r:id="rId3"/>
-    <p:sldId id="261" r:id="rId4"/>
-    <p:sldId id="257" r:id="rId5"/>
-    <p:sldId id="258" r:id="rId6"/>
-    <p:sldId id="259" r:id="rId7"/>
-    <p:sldId id="262" r:id="rId8"/>
+    <p:sldId id="265" r:id="rId4"/>
+    <p:sldId id="266" r:id="rId5"/>
+    <p:sldId id="261" r:id="rId6"/>
+    <p:sldId id="257" r:id="rId7"/>
+    <p:sldId id="258" r:id="rId8"/>
+    <p:sldId id="259" r:id="rId9"/>
+    <p:sldId id="262" r:id="rId10"/>
   </p:sldIdLst>
   <p:sldSz cx="12192000" cy="6858000"/>
   <p:notesSz cx="6858000" cy="9144000"/>
@@ -265,7 +267,7 @@
           <a:p>
             <a:fld id="{8FEAEFA3-B464-4FBA-A485-BD49C1D386CD}" type="datetimeFigureOut">
               <a:rPr lang="ko-KR" altLang="en-US" smtClean="0"/>
-              <a:t>2025-01-20</a:t>
+              <a:t>2025-01-21</a:t>
             </a:fld>
             <a:endParaRPr lang="ko-KR" altLang="en-US"/>
           </a:p>
@@ -463,7 +465,7 @@
           <a:p>
             <a:fld id="{8FEAEFA3-B464-4FBA-A485-BD49C1D386CD}" type="datetimeFigureOut">
               <a:rPr lang="ko-KR" altLang="en-US" smtClean="0"/>
-              <a:t>2025-01-20</a:t>
+              <a:t>2025-01-21</a:t>
             </a:fld>
             <a:endParaRPr lang="ko-KR" altLang="en-US"/>
           </a:p>
@@ -671,7 +673,7 @@
           <a:p>
             <a:fld id="{8FEAEFA3-B464-4FBA-A485-BD49C1D386CD}" type="datetimeFigureOut">
               <a:rPr lang="ko-KR" altLang="en-US" smtClean="0"/>
-              <a:t>2025-01-20</a:t>
+              <a:t>2025-01-21</a:t>
             </a:fld>
             <a:endParaRPr lang="ko-KR" altLang="en-US"/>
           </a:p>
@@ -869,7 +871,7 @@
           <a:p>
             <a:fld id="{8FEAEFA3-B464-4FBA-A485-BD49C1D386CD}" type="datetimeFigureOut">
               <a:rPr lang="ko-KR" altLang="en-US" smtClean="0"/>
-              <a:t>2025-01-20</a:t>
+              <a:t>2025-01-21</a:t>
             </a:fld>
             <a:endParaRPr lang="ko-KR" altLang="en-US"/>
           </a:p>
@@ -1144,7 +1146,7 @@
           <a:p>
             <a:fld id="{8FEAEFA3-B464-4FBA-A485-BD49C1D386CD}" type="datetimeFigureOut">
               <a:rPr lang="ko-KR" altLang="en-US" smtClean="0"/>
-              <a:t>2025-01-20</a:t>
+              <a:t>2025-01-21</a:t>
             </a:fld>
             <a:endParaRPr lang="ko-KR" altLang="en-US"/>
           </a:p>
@@ -1409,7 +1411,7 @@
           <a:p>
             <a:fld id="{8FEAEFA3-B464-4FBA-A485-BD49C1D386CD}" type="datetimeFigureOut">
               <a:rPr lang="ko-KR" altLang="en-US" smtClean="0"/>
-              <a:t>2025-01-20</a:t>
+              <a:t>2025-01-21</a:t>
             </a:fld>
             <a:endParaRPr lang="ko-KR" altLang="en-US"/>
           </a:p>
@@ -1821,7 +1823,7 @@
           <a:p>
             <a:fld id="{8FEAEFA3-B464-4FBA-A485-BD49C1D386CD}" type="datetimeFigureOut">
               <a:rPr lang="ko-KR" altLang="en-US" smtClean="0"/>
-              <a:t>2025-01-20</a:t>
+              <a:t>2025-01-21</a:t>
             </a:fld>
             <a:endParaRPr lang="ko-KR" altLang="en-US"/>
           </a:p>
@@ -1962,7 +1964,7 @@
           <a:p>
             <a:fld id="{8FEAEFA3-B464-4FBA-A485-BD49C1D386CD}" type="datetimeFigureOut">
               <a:rPr lang="ko-KR" altLang="en-US" smtClean="0"/>
-              <a:t>2025-01-20</a:t>
+              <a:t>2025-01-21</a:t>
             </a:fld>
             <a:endParaRPr lang="ko-KR" altLang="en-US"/>
           </a:p>
@@ -2075,7 +2077,7 @@
           <a:p>
             <a:fld id="{8FEAEFA3-B464-4FBA-A485-BD49C1D386CD}" type="datetimeFigureOut">
               <a:rPr lang="ko-KR" altLang="en-US" smtClean="0"/>
-              <a:t>2025-01-20</a:t>
+              <a:t>2025-01-21</a:t>
             </a:fld>
             <a:endParaRPr lang="ko-KR" altLang="en-US"/>
           </a:p>
@@ -2386,7 +2388,7 @@
           <a:p>
             <a:fld id="{8FEAEFA3-B464-4FBA-A485-BD49C1D386CD}" type="datetimeFigureOut">
               <a:rPr lang="ko-KR" altLang="en-US" smtClean="0"/>
-              <a:t>2025-01-20</a:t>
+              <a:t>2025-01-21</a:t>
             </a:fld>
             <a:endParaRPr lang="ko-KR" altLang="en-US"/>
           </a:p>
@@ -2674,7 +2676,7 @@
           <a:p>
             <a:fld id="{8FEAEFA3-B464-4FBA-A485-BD49C1D386CD}" type="datetimeFigureOut">
               <a:rPr lang="ko-KR" altLang="en-US" smtClean="0"/>
-              <a:t>2025-01-20</a:t>
+              <a:t>2025-01-21</a:t>
             </a:fld>
             <a:endParaRPr lang="ko-KR" altLang="en-US"/>
           </a:p>
@@ -2915,7 +2917,7 @@
           <a:p>
             <a:fld id="{8FEAEFA3-B464-4FBA-A485-BD49C1D386CD}" type="datetimeFigureOut">
               <a:rPr lang="ko-KR" altLang="en-US" smtClean="0"/>
-              <a:t>2025-01-20</a:t>
+              <a:t>2025-01-21</a:t>
             </a:fld>
             <a:endParaRPr lang="ko-KR" altLang="en-US"/>
           </a:p>
@@ -3545,12 +3547,8 @@
           <a:p>
             <a:pPr algn="ctr"/>
             <a:r>
-              <a:rPr lang="ko-KR" altLang="en-US" sz="1200"/>
-              <a:t>신재생에너지 </a:t>
-            </a:r>
-            <a:r>
               <a:rPr lang="ko-KR" altLang="en-US" sz="1200" dirty="0"/>
-              <a:t>발전량</a:t>
+              <a:t>전력 공급현황</a:t>
             </a:r>
             <a:endParaRPr lang="en-US" altLang="ko-KR" sz="1200" dirty="0"/>
           </a:p>
@@ -3957,12 +3955,8 @@
           <a:p>
             <a:pPr algn="ctr"/>
             <a:r>
-              <a:rPr lang="ko-KR" altLang="en-US" sz="1200"/>
-              <a:t>신재생에너지 </a:t>
-            </a:r>
-            <a:r>
               <a:rPr lang="ko-KR" altLang="en-US" sz="1200" dirty="0"/>
-              <a:t>발전량</a:t>
+              <a:t>전력 공급 현황</a:t>
             </a:r>
             <a:endParaRPr lang="en-US" altLang="ko-KR" sz="1200" dirty="0"/>
           </a:p>
@@ -4050,10 +4044,10 @@
       </p:grpSpPr>
       <p:pic>
         <p:nvPicPr>
-          <p:cNvPr id="6" name="그림 5">
-            <a:extLst>
-              <a:ext uri="{FF2B5EF4-FFF2-40B4-BE49-F238E27FC236}">
-                <a16:creationId xmlns:a16="http://schemas.microsoft.com/office/drawing/2014/main" id="{15C4DF6F-FF1B-42E5-98C8-3F122F3C264C}"/>
+          <p:cNvPr id="3" name="그림 2">
+            <a:extLst>
+              <a:ext uri="{FF2B5EF4-FFF2-40B4-BE49-F238E27FC236}">
+                <a16:creationId xmlns:a16="http://schemas.microsoft.com/office/drawing/2014/main" id="{A54BBB36-64E2-45D6-42BC-BB5FF56AEC30}"/>
               </a:ext>
             </a:extLst>
           </p:cNvPr>
@@ -4070,8 +4064,8 @@
         </p:blipFill>
         <p:spPr>
           <a:xfrm>
-            <a:off x="0" y="0"/>
-            <a:ext cx="3564396" cy="6858000"/>
+            <a:off x="4447731" y="29516"/>
+            <a:ext cx="2901024" cy="693200"/>
           </a:xfrm>
           <a:prstGeom prst="rect">
             <a:avLst/>
@@ -4080,10 +4074,10 @@
       </p:pic>
       <p:pic>
         <p:nvPicPr>
-          <p:cNvPr id="8" name="그림 7">
-            <a:extLst>
-              <a:ext uri="{FF2B5EF4-FFF2-40B4-BE49-F238E27FC236}">
-                <a16:creationId xmlns:a16="http://schemas.microsoft.com/office/drawing/2014/main" id="{A082958E-8F70-09B8-21EE-6353C1FF9380}"/>
+          <p:cNvPr id="6" name="그림 5">
+            <a:extLst>
+              <a:ext uri="{FF2B5EF4-FFF2-40B4-BE49-F238E27FC236}">
+                <a16:creationId xmlns:a16="http://schemas.microsoft.com/office/drawing/2014/main" id="{15C4DF6F-FF1B-42E5-98C8-3F122F3C264C}"/>
               </a:ext>
             </a:extLst>
           </p:cNvPr>
@@ -4100,8 +4094,8 @@
         </p:blipFill>
         <p:spPr>
           <a:xfrm>
-            <a:off x="4401773" y="38308"/>
-            <a:ext cx="2846315" cy="684408"/>
+            <a:off x="0" y="0"/>
+            <a:ext cx="3564396" cy="6858000"/>
           </a:xfrm>
           <a:prstGeom prst="rect">
             <a:avLst/>
@@ -4122,7 +4116,7 @@
         </p:nvSpPr>
         <p:spPr>
           <a:xfrm>
-            <a:off x="5121479" y="532701"/>
+            <a:off x="5181600" y="553676"/>
             <a:ext cx="914400" cy="190015"/>
           </a:xfrm>
           <a:prstGeom prst="rect">
@@ -4182,7 +4176,7 @@
         </p:blipFill>
         <p:spPr>
           <a:xfrm>
-            <a:off x="8902406" y="4014491"/>
+            <a:off x="11356968" y="499196"/>
             <a:ext cx="2898276" cy="1742049"/>
           </a:xfrm>
           <a:prstGeom prst="rect">
@@ -4204,7 +4198,7 @@
         </p:nvSpPr>
         <p:spPr>
           <a:xfrm>
-            <a:off x="8636652" y="3589040"/>
+            <a:off x="11091214" y="73745"/>
             <a:ext cx="1077799" cy="425451"/>
           </a:xfrm>
           <a:prstGeom prst="rect">
@@ -4276,7 +4270,7 @@
         </p:blipFill>
         <p:spPr>
           <a:xfrm>
-            <a:off x="6792575" y="4014491"/>
+            <a:off x="9247137" y="499196"/>
             <a:ext cx="1740715" cy="1046281"/>
           </a:xfrm>
           <a:prstGeom prst="rect">
@@ -4306,7 +4300,7 @@
         </p:blipFill>
         <p:spPr>
           <a:xfrm>
-            <a:off x="6206629" y="5395570"/>
+            <a:off x="8661191" y="1880275"/>
             <a:ext cx="2010387" cy="1301122"/>
           </a:xfrm>
           <a:prstGeom prst="rect">
@@ -4316,10 +4310,10 @@
       </p:pic>
       <p:pic>
         <p:nvPicPr>
-          <p:cNvPr id="27" name="그림 26">
-            <a:extLst>
-              <a:ext uri="{FF2B5EF4-FFF2-40B4-BE49-F238E27FC236}">
-                <a16:creationId xmlns:a16="http://schemas.microsoft.com/office/drawing/2014/main" id="{7FD7BB5B-8D8E-7CAE-E9B1-3927D8E80C97}"/>
+          <p:cNvPr id="5" name="그림 4">
+            <a:extLst>
+              <a:ext uri="{FF2B5EF4-FFF2-40B4-BE49-F238E27FC236}">
+                <a16:creationId xmlns:a16="http://schemas.microsoft.com/office/drawing/2014/main" id="{28FF328C-36A7-3581-28B0-1FE4BB95B008}"/>
               </a:ext>
             </a:extLst>
           </p:cNvPr>
@@ -4336,20 +4330,49 @@
         </p:blipFill>
         <p:spPr>
           <a:xfrm>
-            <a:off x="4845427" y="1464656"/>
-            <a:ext cx="1959005" cy="1090716"/>
+            <a:off x="5825713" y="980868"/>
+            <a:ext cx="2403886" cy="1732971"/>
           </a:xfrm>
           <a:prstGeom prst="rect">
             <a:avLst/>
           </a:prstGeom>
         </p:spPr>
       </p:pic>
-      <p:sp>
-        <p:nvSpPr>
-          <p:cNvPr id="28" name="직사각형 27">
-            <a:extLst>
-              <a:ext uri="{FF2B5EF4-FFF2-40B4-BE49-F238E27FC236}">
-                <a16:creationId xmlns:a16="http://schemas.microsoft.com/office/drawing/2014/main" id="{E2466C2A-65EB-6C89-8FF8-2DCF7B6EE478}"/>
+      <p:pic>
+        <p:nvPicPr>
+          <p:cNvPr id="7" name="그림 6">
+            <a:extLst>
+              <a:ext uri="{FF2B5EF4-FFF2-40B4-BE49-F238E27FC236}">
+                <a16:creationId xmlns:a16="http://schemas.microsoft.com/office/drawing/2014/main" id="{41B2AB4E-646F-642A-9A5D-1EE456A8C453}"/>
+              </a:ext>
+            </a:extLst>
+          </p:cNvPr>
+          <p:cNvPicPr>
+            <a:picLocks noChangeAspect="1"/>
+          </p:cNvPicPr>
+          <p:nvPr/>
+        </p:nvPicPr>
+        <p:blipFill>
+          <a:blip r:embed="rId3"/>
+          <a:srcRect t="17472" r="58011" b="71458"/>
+          <a:stretch/>
+        </p:blipFill>
+        <p:spPr>
+          <a:xfrm>
+            <a:off x="4346272" y="1051350"/>
+            <a:ext cx="1496660" cy="759203"/>
+          </a:xfrm>
+          <a:prstGeom prst="rect">
+            <a:avLst/>
+          </a:prstGeom>
+        </p:spPr>
+      </p:pic>
+      <p:sp>
+        <p:nvSpPr>
+          <p:cNvPr id="13" name="직사각형 12">
+            <a:extLst>
+              <a:ext uri="{FF2B5EF4-FFF2-40B4-BE49-F238E27FC236}">
+                <a16:creationId xmlns:a16="http://schemas.microsoft.com/office/drawing/2014/main" id="{546CD0AB-88C7-DF63-2E24-55164215C5E7}"/>
               </a:ext>
             </a:extLst>
           </p:cNvPr>
@@ -4358,12 +4381,15 @@
         </p:nvSpPr>
         <p:spPr>
           <a:xfrm>
-            <a:off x="8478638" y="1177106"/>
-            <a:ext cx="1393825" cy="393700"/>
+            <a:off x="4447564" y="996918"/>
+            <a:ext cx="946557" cy="152814"/>
           </a:xfrm>
           <a:prstGeom prst="rect">
             <a:avLst/>
           </a:prstGeom>
+          <a:solidFill>
+            <a:schemeClr val="bg1"/>
+          </a:solidFill>
         </p:spPr>
         <p:style>
           <a:lnRef idx="2">
@@ -4387,19 +4413,110 @@
           <a:p>
             <a:pPr algn="ctr"/>
             <a:r>
-              <a:rPr lang="ko-KR" altLang="en-US" dirty="0"/>
-              <a:t>최종에너지 </a:t>
-            </a:r>
-            <a:endParaRPr lang="en-US" altLang="ko-KR" dirty="0"/>
-          </a:p>
-        </p:txBody>
-      </p:sp>
-      <p:sp>
-        <p:nvSpPr>
-          <p:cNvPr id="30" name="직사각형 29">
-            <a:extLst>
-              <a:ext uri="{FF2B5EF4-FFF2-40B4-BE49-F238E27FC236}">
-                <a16:creationId xmlns:a16="http://schemas.microsoft.com/office/drawing/2014/main" id="{96A45622-B2EF-52F0-9CB7-1977BBD84B2D}"/>
+              <a:rPr lang="ko-KR" altLang="en-US" sz="1050" dirty="0">
+                <a:solidFill>
+                  <a:schemeClr val="tx1"/>
+                </a:solidFill>
+              </a:rPr>
+              <a:t>전력자급률</a:t>
+            </a:r>
+          </a:p>
+        </p:txBody>
+      </p:sp>
+      <p:pic>
+        <p:nvPicPr>
+          <p:cNvPr id="14" name="그림 13">
+            <a:extLst>
+              <a:ext uri="{FF2B5EF4-FFF2-40B4-BE49-F238E27FC236}">
+                <a16:creationId xmlns:a16="http://schemas.microsoft.com/office/drawing/2014/main" id="{B1AB8EA6-078E-D83E-575F-13383DD375E0}"/>
+              </a:ext>
+            </a:extLst>
+          </p:cNvPr>
+          <p:cNvPicPr>
+            <a:picLocks noChangeAspect="1"/>
+          </p:cNvPicPr>
+          <p:nvPr/>
+        </p:nvPicPr>
+        <p:blipFill>
+          <a:blip r:embed="rId3"/>
+          <a:srcRect t="47521" r="59859" b="26752"/>
+          <a:stretch/>
+        </p:blipFill>
+        <p:spPr>
+          <a:xfrm>
+            <a:off x="4635857" y="3079451"/>
+            <a:ext cx="2221383" cy="2739211"/>
+          </a:xfrm>
+          <a:prstGeom prst="rect">
+            <a:avLst/>
+          </a:prstGeom>
+        </p:spPr>
+      </p:pic>
+      <p:pic>
+        <p:nvPicPr>
+          <p:cNvPr id="20" name="그림 19">
+            <a:extLst>
+              <a:ext uri="{FF2B5EF4-FFF2-40B4-BE49-F238E27FC236}">
+                <a16:creationId xmlns:a16="http://schemas.microsoft.com/office/drawing/2014/main" id="{2C0065E3-D849-6C36-0DA0-551D21B591F7}"/>
+              </a:ext>
+            </a:extLst>
+          </p:cNvPr>
+          <p:cNvPicPr>
+            <a:picLocks noChangeAspect="1"/>
+          </p:cNvPicPr>
+          <p:nvPr/>
+        </p:nvPicPr>
+        <p:blipFill>
+          <a:blip r:embed="rId8"/>
+          <a:stretch>
+            <a:fillRect/>
+          </a:stretch>
+        </p:blipFill>
+        <p:spPr>
+          <a:xfrm>
+            <a:off x="7071511" y="3591275"/>
+            <a:ext cx="1580786" cy="1195898"/>
+          </a:xfrm>
+          <a:prstGeom prst="rect">
+            <a:avLst/>
+          </a:prstGeom>
+        </p:spPr>
+      </p:pic>
+      <p:pic>
+        <p:nvPicPr>
+          <p:cNvPr id="25" name="그림 24">
+            <a:extLst>
+              <a:ext uri="{FF2B5EF4-FFF2-40B4-BE49-F238E27FC236}">
+                <a16:creationId xmlns:a16="http://schemas.microsoft.com/office/drawing/2014/main" id="{C2F8B61F-E0B1-D9D7-7ECA-BC7969923C73}"/>
+              </a:ext>
+            </a:extLst>
+          </p:cNvPr>
+          <p:cNvPicPr>
+            <a:picLocks noChangeAspect="1"/>
+          </p:cNvPicPr>
+          <p:nvPr/>
+        </p:nvPicPr>
+        <p:blipFill>
+          <a:blip r:embed="rId9"/>
+          <a:srcRect t="14284"/>
+          <a:stretch/>
+        </p:blipFill>
+        <p:spPr>
+          <a:xfrm>
+            <a:off x="7208620" y="5058832"/>
+            <a:ext cx="1302724" cy="650756"/>
+          </a:xfrm>
+          <a:prstGeom prst="rect">
+            <a:avLst/>
+          </a:prstGeom>
+        </p:spPr>
+      </p:pic>
+      <p:sp>
+        <p:nvSpPr>
+          <p:cNvPr id="26" name="직사각형 25">
+            <a:extLst>
+              <a:ext uri="{FF2B5EF4-FFF2-40B4-BE49-F238E27FC236}">
+                <a16:creationId xmlns:a16="http://schemas.microsoft.com/office/drawing/2014/main" id="{2B296E85-8C1A-95CF-3E95-4E58695777D7}"/>
               </a:ext>
             </a:extLst>
           </p:cNvPr>
@@ -4408,8 +4525,174 @@
         </p:nvSpPr>
         <p:spPr>
           <a:xfrm>
-            <a:off x="11134888" y="1862906"/>
-            <a:ext cx="1393825" cy="393700"/>
+            <a:off x="4212894" y="-527517"/>
+            <a:ext cx="1077799" cy="425451"/>
+          </a:xfrm>
+          <a:prstGeom prst="rect">
+            <a:avLst/>
+          </a:prstGeom>
+          <a:noFill/>
+          <a:ln w="41275">
+            <a:solidFill>
+              <a:srgbClr val="FF0000"/>
+            </a:solidFill>
+          </a:ln>
+        </p:spPr>
+        <p:style>
+          <a:lnRef idx="2">
+            <a:schemeClr val="accent1">
+              <a:shade val="15000"/>
+            </a:schemeClr>
+          </a:lnRef>
+          <a:fillRef idx="1">
+            <a:schemeClr val="accent1"/>
+          </a:fillRef>
+          <a:effectRef idx="0">
+            <a:schemeClr val="accent1"/>
+          </a:effectRef>
+          <a:fontRef idx="minor">
+            <a:schemeClr val="lt1"/>
+          </a:fontRef>
+        </p:style>
+        <p:txBody>
+          <a:bodyPr rtlCol="0" anchor="ctr"/>
+          <a:lstStyle/>
+          <a:p>
+            <a:pPr algn="ctr"/>
+            <a:r>
+              <a:rPr lang="en-US" altLang="ko-KR" sz="1050" dirty="0">
+                <a:solidFill>
+                  <a:srgbClr val="FF0000"/>
+                </a:solidFill>
+              </a:rPr>
+              <a:t>17</a:t>
+            </a:r>
+            <a:r>
+              <a:rPr lang="ko-KR" altLang="en-US" sz="1050" dirty="0">
+                <a:solidFill>
+                  <a:srgbClr val="FF0000"/>
+                </a:solidFill>
+              </a:rPr>
+              <a:t>개 시도간 비교</a:t>
+            </a:r>
+          </a:p>
+        </p:txBody>
+      </p:sp>
+      <p:cxnSp>
+        <p:nvCxnSpPr>
+          <p:cNvPr id="32" name="직선 화살표 연결선 31">
+            <a:extLst>
+              <a:ext uri="{FF2B5EF4-FFF2-40B4-BE49-F238E27FC236}">
+                <a16:creationId xmlns:a16="http://schemas.microsoft.com/office/drawing/2014/main" id="{9EF93347-08D4-4A35-AE5A-0B77F989DDAA}"/>
+              </a:ext>
+            </a:extLst>
+          </p:cNvPr>
+          <p:cNvCxnSpPr>
+            <a:cxnSpLocks/>
+            <a:stCxn id="13" idx="0"/>
+            <a:endCxn id="26" idx="2"/>
+          </p:cNvCxnSpPr>
+          <p:nvPr/>
+        </p:nvCxnSpPr>
+        <p:spPr>
+          <a:xfrm flipH="1" flipV="1">
+            <a:off x="4751794" y="-102066"/>
+            <a:ext cx="169049" cy="1098984"/>
+          </a:xfrm>
+          <a:prstGeom prst="straightConnector1">
+            <a:avLst/>
+          </a:prstGeom>
+          <a:ln>
+            <a:tailEnd type="triangle"/>
+          </a:ln>
+        </p:spPr>
+        <p:style>
+          <a:lnRef idx="2">
+            <a:schemeClr val="accent1"/>
+          </a:lnRef>
+          <a:fillRef idx="0">
+            <a:schemeClr val="accent1"/>
+          </a:fillRef>
+          <a:effectRef idx="1">
+            <a:schemeClr val="accent1"/>
+          </a:effectRef>
+          <a:fontRef idx="minor">
+            <a:schemeClr val="tx1"/>
+          </a:fontRef>
+        </p:style>
+      </p:cxnSp>
+      <p:sp>
+        <p:nvSpPr>
+          <p:cNvPr id="36" name="직사각형 35">
+            <a:extLst>
+              <a:ext uri="{FF2B5EF4-FFF2-40B4-BE49-F238E27FC236}">
+                <a16:creationId xmlns:a16="http://schemas.microsoft.com/office/drawing/2014/main" id="{D5E3BEF9-AD9A-90B3-809E-EA30517636C4}"/>
+              </a:ext>
+            </a:extLst>
+          </p:cNvPr>
+          <p:cNvSpPr/>
+          <p:nvPr/>
+        </p:nvSpPr>
+        <p:spPr>
+          <a:xfrm>
+            <a:off x="7200667" y="4860965"/>
+            <a:ext cx="946557" cy="152814"/>
+          </a:xfrm>
+          <a:prstGeom prst="rect">
+            <a:avLst/>
+          </a:prstGeom>
+          <a:solidFill>
+            <a:schemeClr val="bg1"/>
+          </a:solidFill>
+        </p:spPr>
+        <p:style>
+          <a:lnRef idx="2">
+            <a:schemeClr val="accent1">
+              <a:shade val="15000"/>
+            </a:schemeClr>
+          </a:lnRef>
+          <a:fillRef idx="1">
+            <a:schemeClr val="accent1"/>
+          </a:fillRef>
+          <a:effectRef idx="0">
+            <a:schemeClr val="accent1"/>
+          </a:effectRef>
+          <a:fontRef idx="minor">
+            <a:schemeClr val="lt1"/>
+          </a:fontRef>
+        </p:style>
+        <p:txBody>
+          <a:bodyPr rtlCol="0" anchor="ctr"/>
+          <a:lstStyle/>
+          <a:p>
+            <a:pPr algn="ctr"/>
+            <a:r>
+              <a:rPr lang="ko-KR" altLang="en-US" sz="1050" dirty="0">
+                <a:solidFill>
+                  <a:schemeClr val="tx1"/>
+                </a:solidFill>
+              </a:rPr>
+              <a:t>전력자급률</a:t>
+            </a:r>
+          </a:p>
+        </p:txBody>
+      </p:sp>
+      <p:sp>
+        <p:nvSpPr>
+          <p:cNvPr id="42" name="직사각형 41">
+            <a:extLst>
+              <a:ext uri="{FF2B5EF4-FFF2-40B4-BE49-F238E27FC236}">
+                <a16:creationId xmlns:a16="http://schemas.microsoft.com/office/drawing/2014/main" id="{2F77B4FC-1648-ECA2-98D9-3AC34D56371D}"/>
+              </a:ext>
+            </a:extLst>
+          </p:cNvPr>
+          <p:cNvSpPr/>
+          <p:nvPr/>
+        </p:nvSpPr>
+        <p:spPr>
+          <a:xfrm>
+            <a:off x="4920843" y="3433795"/>
+            <a:ext cx="514623" cy="195242"/>
           </a:xfrm>
           <a:prstGeom prst="rect">
             <a:avLst/>
@@ -4445,19 +4728,27 @@
           <a:p>
             <a:pPr algn="ctr"/>
             <a:r>
-              <a:rPr lang="ko-KR" altLang="en-US" dirty="0"/>
-              <a:t>에너지원별</a:t>
-            </a:r>
-            <a:endParaRPr lang="en-US" altLang="ko-KR" dirty="0"/>
-          </a:p>
-        </p:txBody>
-      </p:sp>
-      <p:sp>
-        <p:nvSpPr>
-          <p:cNvPr id="31" name="직사각형 30">
-            <a:extLst>
-              <a:ext uri="{FF2B5EF4-FFF2-40B4-BE49-F238E27FC236}">
-                <a16:creationId xmlns:a16="http://schemas.microsoft.com/office/drawing/2014/main" id="{6D8CCAC1-3E30-33F0-E37A-2D855F1DE1CC}"/>
+              <a:rPr lang="ko-KR" altLang="en-US" sz="1200" dirty="0">
+                <a:solidFill>
+                  <a:schemeClr val="tx1"/>
+                </a:solidFill>
+              </a:rPr>
+              <a:t>연도</a:t>
+            </a:r>
+            <a:endParaRPr lang="en-US" altLang="ko-KR" sz="1200" dirty="0">
+              <a:solidFill>
+                <a:schemeClr val="tx1"/>
+              </a:solidFill>
+            </a:endParaRPr>
+          </a:p>
+        </p:txBody>
+      </p:sp>
+      <p:sp>
+        <p:nvSpPr>
+          <p:cNvPr id="43" name="직사각형 42">
+            <a:extLst>
+              <a:ext uri="{FF2B5EF4-FFF2-40B4-BE49-F238E27FC236}">
+                <a16:creationId xmlns:a16="http://schemas.microsoft.com/office/drawing/2014/main" id="{EA4ECA59-8CE5-0F8B-AAA2-EBCA6DADF089}"/>
               </a:ext>
             </a:extLst>
           </p:cNvPr>
@@ -4466,8 +4757,8 @@
         </p:nvSpPr>
         <p:spPr>
           <a:xfrm>
-            <a:off x="7382039" y="1862906"/>
-            <a:ext cx="666742" cy="393700"/>
+            <a:off x="5505043" y="3433795"/>
+            <a:ext cx="775921" cy="195242"/>
           </a:xfrm>
           <a:prstGeom prst="rect">
             <a:avLst/>
@@ -4503,19 +4794,27 @@
           <a:p>
             <a:pPr algn="ctr"/>
             <a:r>
-              <a:rPr lang="ko-KR" altLang="en-US" dirty="0"/>
-              <a:t>연도</a:t>
-            </a:r>
-            <a:endParaRPr lang="en-US" altLang="ko-KR" dirty="0"/>
-          </a:p>
-        </p:txBody>
-      </p:sp>
-      <p:sp>
-        <p:nvSpPr>
-          <p:cNvPr id="34" name="직사각형 33">
-            <a:extLst>
-              <a:ext uri="{FF2B5EF4-FFF2-40B4-BE49-F238E27FC236}">
-                <a16:creationId xmlns:a16="http://schemas.microsoft.com/office/drawing/2014/main" id="{64A40AD3-1B76-A8C1-1870-D23D236EAD3A}"/>
+              <a:rPr lang="ko-KR" altLang="en-US" sz="1200">
+                <a:solidFill>
+                  <a:schemeClr val="tx1"/>
+                </a:solidFill>
+              </a:rPr>
+              <a:t>경기도</a:t>
+            </a:r>
+            <a:endParaRPr lang="en-US" altLang="ko-KR" sz="1200" dirty="0">
+              <a:solidFill>
+                <a:schemeClr val="tx1"/>
+              </a:solidFill>
+            </a:endParaRPr>
+          </a:p>
+        </p:txBody>
+      </p:sp>
+      <p:sp>
+        <p:nvSpPr>
+          <p:cNvPr id="44" name="직사각형 43">
+            <a:extLst>
+              <a:ext uri="{FF2B5EF4-FFF2-40B4-BE49-F238E27FC236}">
+                <a16:creationId xmlns:a16="http://schemas.microsoft.com/office/drawing/2014/main" id="{828EA552-314A-7859-8838-44246F19CA2A}"/>
               </a:ext>
             </a:extLst>
           </p:cNvPr>
@@ -4524,8 +4823,8 @@
         </p:nvSpPr>
         <p:spPr>
           <a:xfrm>
-            <a:off x="8118635" y="1862906"/>
-            <a:ext cx="1114266" cy="393700"/>
+            <a:off x="5505043" y="3703035"/>
+            <a:ext cx="775921" cy="195242"/>
           </a:xfrm>
           <a:prstGeom prst="rect">
             <a:avLst/>
@@ -4561,10 +4860,145 @@
           <a:p>
             <a:pPr algn="ctr"/>
             <a:r>
-              <a:rPr lang="ko-KR" altLang="en-US"/>
-              <a:t>발전량 </a:t>
-            </a:r>
-            <a:endParaRPr lang="en-US" altLang="ko-KR" dirty="0"/>
+              <a:rPr lang="ko-KR" altLang="en-US" sz="1200">
+                <a:solidFill>
+                  <a:schemeClr val="tx1"/>
+                </a:solidFill>
+              </a:rPr>
+              <a:t>화성시</a:t>
+            </a:r>
+            <a:endParaRPr lang="en-US" altLang="ko-KR" sz="1200" dirty="0">
+              <a:solidFill>
+                <a:schemeClr val="tx1"/>
+              </a:solidFill>
+            </a:endParaRPr>
+          </a:p>
+        </p:txBody>
+      </p:sp>
+      <p:sp>
+        <p:nvSpPr>
+          <p:cNvPr id="45" name="직사각형 44">
+            <a:extLst>
+              <a:ext uri="{FF2B5EF4-FFF2-40B4-BE49-F238E27FC236}">
+                <a16:creationId xmlns:a16="http://schemas.microsoft.com/office/drawing/2014/main" id="{1069A3C1-E10E-E11C-16F0-B7000EE41E42}"/>
+              </a:ext>
+            </a:extLst>
+          </p:cNvPr>
+          <p:cNvSpPr/>
+          <p:nvPr/>
+        </p:nvSpPr>
+        <p:spPr>
+          <a:xfrm>
+            <a:off x="5505043" y="3972275"/>
+            <a:ext cx="775921" cy="195242"/>
+          </a:xfrm>
+          <a:prstGeom prst="rect">
+            <a:avLst/>
+          </a:prstGeom>
+          <a:solidFill>
+            <a:schemeClr val="bg2"/>
+          </a:solidFill>
+          <a:ln>
+            <a:solidFill>
+              <a:schemeClr val="bg2"/>
+            </a:solidFill>
+          </a:ln>
+        </p:spPr>
+        <p:style>
+          <a:lnRef idx="2">
+            <a:schemeClr val="accent1">
+              <a:shade val="15000"/>
+            </a:schemeClr>
+          </a:lnRef>
+          <a:fillRef idx="1">
+            <a:schemeClr val="accent1"/>
+          </a:fillRef>
+          <a:effectRef idx="0">
+            <a:schemeClr val="accent1"/>
+          </a:effectRef>
+          <a:fontRef idx="minor">
+            <a:schemeClr val="lt1"/>
+          </a:fontRef>
+        </p:style>
+        <p:txBody>
+          <a:bodyPr rtlCol="0" anchor="ctr"/>
+          <a:lstStyle/>
+          <a:p>
+            <a:pPr algn="ctr"/>
+            <a:r>
+              <a:rPr lang="en-US" altLang="ko-KR" sz="1200" dirty="0">
+                <a:solidFill>
+                  <a:schemeClr val="tx1"/>
+                </a:solidFill>
+              </a:rPr>
+              <a:t>…..</a:t>
+            </a:r>
+          </a:p>
+        </p:txBody>
+      </p:sp>
+      <p:sp>
+        <p:nvSpPr>
+          <p:cNvPr id="47" name="직사각형 46">
+            <a:extLst>
+              <a:ext uri="{FF2B5EF4-FFF2-40B4-BE49-F238E27FC236}">
+                <a16:creationId xmlns:a16="http://schemas.microsoft.com/office/drawing/2014/main" id="{CAA8D22F-59C3-C1C7-4E60-A6891DC36E16}"/>
+              </a:ext>
+            </a:extLst>
+          </p:cNvPr>
+          <p:cNvSpPr/>
+          <p:nvPr/>
+        </p:nvSpPr>
+        <p:spPr>
+          <a:xfrm>
+            <a:off x="5505043" y="4263889"/>
+            <a:ext cx="775921" cy="195242"/>
+          </a:xfrm>
+          <a:prstGeom prst="rect">
+            <a:avLst/>
+          </a:prstGeom>
+          <a:solidFill>
+            <a:schemeClr val="bg2"/>
+          </a:solidFill>
+          <a:ln>
+            <a:solidFill>
+              <a:schemeClr val="bg2"/>
+            </a:solidFill>
+          </a:ln>
+        </p:spPr>
+        <p:style>
+          <a:lnRef idx="2">
+            <a:schemeClr val="accent1">
+              <a:shade val="15000"/>
+            </a:schemeClr>
+          </a:lnRef>
+          <a:fillRef idx="1">
+            <a:schemeClr val="accent1"/>
+          </a:fillRef>
+          <a:effectRef idx="0">
+            <a:schemeClr val="accent1"/>
+          </a:effectRef>
+          <a:fontRef idx="minor">
+            <a:schemeClr val="lt1"/>
+          </a:fontRef>
+        </p:style>
+        <p:txBody>
+          <a:bodyPr rtlCol="0" anchor="ctr"/>
+          <a:lstStyle/>
+          <a:p>
+            <a:pPr algn="ctr"/>
+            <a:r>
+              <a:rPr lang="ko-KR" altLang="en-US" sz="1200" dirty="0">
+                <a:solidFill>
+                  <a:schemeClr val="tx1"/>
+                </a:solidFill>
+              </a:rPr>
+              <a:t>시군</a:t>
+            </a:r>
+            <a:endParaRPr lang="en-US" altLang="ko-KR" sz="1200" dirty="0">
+              <a:solidFill>
+                <a:schemeClr val="tx1"/>
+              </a:solidFill>
+            </a:endParaRPr>
           </a:p>
         </p:txBody>
       </p:sp>
@@ -4586,7 +5020,13 @@
   <p:cSld>
     <p:spTree>
       <p:nvGrpSpPr>
-        <p:cNvPr id="1" name=""/>
+        <p:cNvPr id="1" name="">
+          <a:extLst>
+            <a:ext uri="{FF2B5EF4-FFF2-40B4-BE49-F238E27FC236}">
+              <a16:creationId xmlns:a16="http://schemas.microsoft.com/office/drawing/2014/main" id="{607D4300-F771-328C-B9F0-2DB3C3352916}"/>
+            </a:ext>
+          </a:extLst>
+        </p:cNvPr>
         <p:cNvGrpSpPr/>
         <p:nvPr/>
       </p:nvGrpSpPr>
@@ -4600,10 +5040,10 @@
       </p:grpSpPr>
       <p:pic>
         <p:nvPicPr>
-          <p:cNvPr id="4" name="그림 3">
-            <a:extLst>
-              <a:ext uri="{FF2B5EF4-FFF2-40B4-BE49-F238E27FC236}">
-                <a16:creationId xmlns:a16="http://schemas.microsoft.com/office/drawing/2014/main" id="{792DF1D8-CA39-1802-1F32-0824AE1C0705}"/>
+          <p:cNvPr id="5" name="그림 4">
+            <a:extLst>
+              <a:ext uri="{FF2B5EF4-FFF2-40B4-BE49-F238E27FC236}">
+                <a16:creationId xmlns:a16="http://schemas.microsoft.com/office/drawing/2014/main" id="{5098D266-46D7-DF6D-B50A-2920D5CBA9C7}"/>
               </a:ext>
             </a:extLst>
           </p:cNvPr>
@@ -4612,32 +5052,27 @@
           </p:cNvPicPr>
           <p:nvPr/>
         </p:nvPicPr>
-        <p:blipFill rotWithShape="1">
+        <p:blipFill>
           <a:blip r:embed="rId2"/>
-          <a:srcRect b="56484"/>
+          <a:srcRect t="14866"/>
           <a:stretch/>
         </p:blipFill>
         <p:spPr>
           <a:xfrm>
-            <a:off x="723900" y="95641"/>
-            <a:ext cx="8369299" cy="6666718"/>
+            <a:off x="3519127" y="2085974"/>
+            <a:ext cx="5390283" cy="3274175"/>
           </a:xfrm>
           <a:prstGeom prst="rect">
             <a:avLst/>
           </a:prstGeom>
-          <a:ln>
-            <a:solidFill>
-              <a:schemeClr val="tx1"/>
-            </a:solidFill>
-          </a:ln>
         </p:spPr>
       </p:pic>
       <p:sp>
         <p:nvSpPr>
-          <p:cNvPr id="5" name="직사각형 4">
-            <a:extLst>
-              <a:ext uri="{FF2B5EF4-FFF2-40B4-BE49-F238E27FC236}">
-                <a16:creationId xmlns:a16="http://schemas.microsoft.com/office/drawing/2014/main" id="{01C60341-3B58-4FCD-0925-BB5BA330BB77}"/>
+          <p:cNvPr id="6" name="직사각형 5">
+            <a:extLst>
+              <a:ext uri="{FF2B5EF4-FFF2-40B4-BE49-F238E27FC236}">
+                <a16:creationId xmlns:a16="http://schemas.microsoft.com/office/drawing/2014/main" id="{48A0B20A-7B3F-72C1-4192-650FA042BC70}"/>
               </a:ext>
             </a:extLst>
           </p:cNvPr>
@@ -4646,7 +5081,7 @@
         </p:nvSpPr>
         <p:spPr>
           <a:xfrm>
-            <a:off x="5343524" y="1698625"/>
+            <a:off x="4537074" y="1489075"/>
             <a:ext cx="1393825" cy="393700"/>
           </a:xfrm>
           <a:prstGeom prst="rect">
@@ -4676,7 +5111,7 @@
             <a:pPr algn="ctr"/>
             <a:r>
               <a:rPr lang="ko-KR" altLang="en-US" dirty="0"/>
-              <a:t>최종에너지 </a:t>
+              <a:t>발전량 </a:t>
             </a:r>
             <a:endParaRPr lang="en-US" altLang="ko-KR" dirty="0"/>
           </a:p>
@@ -4684,10 +5119,10 @@
       </p:sp>
       <p:sp>
         <p:nvSpPr>
-          <p:cNvPr id="6" name="직사각형 5">
-            <a:extLst>
-              <a:ext uri="{FF2B5EF4-FFF2-40B4-BE49-F238E27FC236}">
-                <a16:creationId xmlns:a16="http://schemas.microsoft.com/office/drawing/2014/main" id="{BA7A35C0-5335-37CE-6526-FF4B0B81E55A}"/>
+          <p:cNvPr id="7" name="직사각형 6">
+            <a:extLst>
+              <a:ext uri="{FF2B5EF4-FFF2-40B4-BE49-F238E27FC236}">
+                <a16:creationId xmlns:a16="http://schemas.microsoft.com/office/drawing/2014/main" id="{F1CACABE-D089-20AA-AEBD-F1AA545F52D7}"/>
               </a:ext>
             </a:extLst>
           </p:cNvPr>
@@ -4696,7 +5131,7 @@
         </p:nvSpPr>
         <p:spPr>
           <a:xfrm>
-            <a:off x="6835778" y="1698625"/>
+            <a:off x="6067428" y="1489075"/>
             <a:ext cx="1393825" cy="393700"/>
           </a:xfrm>
           <a:prstGeom prst="rect">
@@ -4733,8 +5168,8 @@
           <a:p>
             <a:pPr algn="ctr"/>
             <a:r>
-              <a:rPr lang="ko-KR" altLang="en-US"/>
-              <a:t>부문별 </a:t>
+              <a:rPr lang="ko-KR" altLang="en-US" dirty="0"/>
+              <a:t>에너지원별</a:t>
             </a:r>
             <a:endParaRPr lang="en-US" altLang="ko-KR" dirty="0"/>
           </a:p>
@@ -4742,10 +5177,10 @@
       </p:sp>
       <p:sp>
         <p:nvSpPr>
-          <p:cNvPr id="7" name="직사각형 6">
-            <a:extLst>
-              <a:ext uri="{FF2B5EF4-FFF2-40B4-BE49-F238E27FC236}">
-                <a16:creationId xmlns:a16="http://schemas.microsoft.com/office/drawing/2014/main" id="{6AEE7A44-69EB-4944-DF6A-589E0E742C76}"/>
+          <p:cNvPr id="2" name="직사각형 1">
+            <a:extLst>
+              <a:ext uri="{FF2B5EF4-FFF2-40B4-BE49-F238E27FC236}">
+                <a16:creationId xmlns:a16="http://schemas.microsoft.com/office/drawing/2014/main" id="{DBA1AF49-1B9E-C119-2F64-D4C6A96DBC65}"/>
               </a:ext>
             </a:extLst>
           </p:cNvPr>
@@ -4754,8 +5189,8 @@
         </p:nvSpPr>
         <p:spPr>
           <a:xfrm>
-            <a:off x="8328032" y="1698625"/>
-            <a:ext cx="1393825" cy="393700"/>
+            <a:off x="3717570" y="1497851"/>
+            <a:ext cx="666742" cy="393700"/>
           </a:xfrm>
           <a:prstGeom prst="rect">
             <a:avLst/>
@@ -4792,303 +5227,6 @@
             <a:pPr algn="ctr"/>
             <a:r>
               <a:rPr lang="ko-KR" altLang="en-US" dirty="0"/>
-              <a:t>에너지원별</a:t>
-            </a:r>
-            <a:endParaRPr lang="en-US" altLang="ko-KR" dirty="0"/>
-          </a:p>
-        </p:txBody>
-      </p:sp>
-      <p:sp>
-        <p:nvSpPr>
-          <p:cNvPr id="8" name="직사각형 7">
-            <a:extLst>
-              <a:ext uri="{FF2B5EF4-FFF2-40B4-BE49-F238E27FC236}">
-                <a16:creationId xmlns:a16="http://schemas.microsoft.com/office/drawing/2014/main" id="{12D83040-FA58-D016-5947-06C14BDA83CD}"/>
-              </a:ext>
-            </a:extLst>
-          </p:cNvPr>
-          <p:cNvSpPr/>
-          <p:nvPr/>
-        </p:nvSpPr>
-        <p:spPr>
-          <a:xfrm>
-            <a:off x="4375150" y="1511300"/>
-            <a:ext cx="5626100" cy="711200"/>
-          </a:xfrm>
-          <a:prstGeom prst="rect">
-            <a:avLst/>
-          </a:prstGeom>
-          <a:noFill/>
-          <a:ln w="41275">
-            <a:solidFill>
-              <a:srgbClr val="FF0000"/>
-            </a:solidFill>
-          </a:ln>
-        </p:spPr>
-        <p:style>
-          <a:lnRef idx="2">
-            <a:schemeClr val="accent1">
-              <a:shade val="15000"/>
-            </a:schemeClr>
-          </a:lnRef>
-          <a:fillRef idx="1">
-            <a:schemeClr val="accent1"/>
-          </a:fillRef>
-          <a:effectRef idx="0">
-            <a:schemeClr val="accent1"/>
-          </a:effectRef>
-          <a:fontRef idx="minor">
-            <a:schemeClr val="lt1"/>
-          </a:fontRef>
-        </p:style>
-        <p:txBody>
-          <a:bodyPr rtlCol="0" anchor="ctr"/>
-          <a:lstStyle/>
-          <a:p>
-            <a:pPr algn="ctr"/>
-            <a:endParaRPr lang="ko-KR" altLang="en-US"/>
-          </a:p>
-        </p:txBody>
-      </p:sp>
-      <p:sp>
-        <p:nvSpPr>
-          <p:cNvPr id="9" name="직사각형 8">
-            <a:extLst>
-              <a:ext uri="{FF2B5EF4-FFF2-40B4-BE49-F238E27FC236}">
-                <a16:creationId xmlns:a16="http://schemas.microsoft.com/office/drawing/2014/main" id="{BCA06C11-0788-A7B0-7C06-B96F407ED9E0}"/>
-              </a:ext>
-            </a:extLst>
-          </p:cNvPr>
-          <p:cNvSpPr/>
-          <p:nvPr/>
-        </p:nvSpPr>
-        <p:spPr>
-          <a:xfrm>
-            <a:off x="9486900" y="660400"/>
-            <a:ext cx="4775200" cy="711200"/>
-          </a:xfrm>
-          <a:prstGeom prst="rect">
-            <a:avLst/>
-          </a:prstGeom>
-          <a:noFill/>
-          <a:ln w="41275">
-            <a:solidFill>
-              <a:srgbClr val="FF0000"/>
-            </a:solidFill>
-          </a:ln>
-        </p:spPr>
-        <p:style>
-          <a:lnRef idx="2">
-            <a:schemeClr val="accent1">
-              <a:shade val="15000"/>
-            </a:schemeClr>
-          </a:lnRef>
-          <a:fillRef idx="1">
-            <a:schemeClr val="accent1"/>
-          </a:fillRef>
-          <a:effectRef idx="0">
-            <a:schemeClr val="accent1"/>
-          </a:effectRef>
-          <a:fontRef idx="minor">
-            <a:schemeClr val="lt1"/>
-          </a:fontRef>
-        </p:style>
-        <p:txBody>
-          <a:bodyPr rtlCol="0" anchor="ctr"/>
-          <a:lstStyle/>
-          <a:p>
-            <a:pPr algn="ctr"/>
-            <a:r>
-              <a:rPr lang="ko-KR" altLang="en-US" dirty="0">
-                <a:solidFill>
-                  <a:srgbClr val="FF0000"/>
-                </a:solidFill>
-              </a:rPr>
-              <a:t>연도</a:t>
-            </a:r>
-            <a:r>
-              <a:rPr lang="en-US" altLang="ko-KR" dirty="0">
-                <a:solidFill>
-                  <a:srgbClr val="FF0000"/>
-                </a:solidFill>
-              </a:rPr>
-              <a:t>, </a:t>
-            </a:r>
-            <a:r>
-              <a:rPr lang="ko-KR" altLang="en-US" dirty="0">
-                <a:solidFill>
-                  <a:srgbClr val="FF0000"/>
-                </a:solidFill>
-              </a:rPr>
-              <a:t>부문별</a:t>
-            </a:r>
-            <a:r>
-              <a:rPr lang="en-US" altLang="ko-KR" dirty="0">
-                <a:solidFill>
-                  <a:srgbClr val="FF0000"/>
-                </a:solidFill>
-              </a:rPr>
-              <a:t>, </a:t>
-            </a:r>
-            <a:r>
-              <a:rPr lang="ko-KR" altLang="en-US" dirty="0">
-                <a:solidFill>
-                  <a:srgbClr val="FF0000"/>
-                </a:solidFill>
-              </a:rPr>
-              <a:t>에너지원별 추가</a:t>
-            </a:r>
-          </a:p>
-        </p:txBody>
-      </p:sp>
-      <p:cxnSp>
-        <p:nvCxnSpPr>
-          <p:cNvPr id="11" name="직선 화살표 연결선 10">
-            <a:extLst>
-              <a:ext uri="{FF2B5EF4-FFF2-40B4-BE49-F238E27FC236}">
-                <a16:creationId xmlns:a16="http://schemas.microsoft.com/office/drawing/2014/main" id="{3ADB6B2F-4375-CB3C-EDF9-11AA33438DC3}"/>
-              </a:ext>
-            </a:extLst>
-          </p:cNvPr>
-          <p:cNvCxnSpPr>
-            <a:cxnSpLocks/>
-            <a:stCxn id="8" idx="3"/>
-            <a:endCxn id="9" idx="2"/>
-          </p:cNvCxnSpPr>
-          <p:nvPr/>
-        </p:nvCxnSpPr>
-        <p:spPr>
-          <a:xfrm flipV="1">
-            <a:off x="10001250" y="1371600"/>
-            <a:ext cx="1873250" cy="495300"/>
-          </a:xfrm>
-          <a:prstGeom prst="straightConnector1">
-            <a:avLst/>
-          </a:prstGeom>
-          <a:ln>
-            <a:tailEnd type="triangle"/>
-          </a:ln>
-        </p:spPr>
-        <p:style>
-          <a:lnRef idx="2">
-            <a:schemeClr val="accent1"/>
-          </a:lnRef>
-          <a:fillRef idx="0">
-            <a:schemeClr val="accent1"/>
-          </a:fillRef>
-          <a:effectRef idx="1">
-            <a:schemeClr val="accent1"/>
-          </a:effectRef>
-          <a:fontRef idx="minor">
-            <a:schemeClr val="tx1"/>
-          </a:fontRef>
-        </p:style>
-      </p:cxnSp>
-      <p:sp>
-        <p:nvSpPr>
-          <p:cNvPr id="13" name="타원 12">
-            <a:extLst>
-              <a:ext uri="{FF2B5EF4-FFF2-40B4-BE49-F238E27FC236}">
-                <a16:creationId xmlns:a16="http://schemas.microsoft.com/office/drawing/2014/main" id="{41FB6BDD-C49B-E43D-CF15-1068B96667E5}"/>
-              </a:ext>
-            </a:extLst>
-          </p:cNvPr>
-          <p:cNvSpPr/>
-          <p:nvPr/>
-        </p:nvSpPr>
-        <p:spPr>
-          <a:xfrm>
-            <a:off x="12859352" y="-361559"/>
-            <a:ext cx="914400" cy="914400"/>
-          </a:xfrm>
-          <a:prstGeom prst="ellipse">
-            <a:avLst/>
-          </a:prstGeom>
-          <a:solidFill>
-            <a:srgbClr val="FF0000"/>
-          </a:solidFill>
-        </p:spPr>
-        <p:style>
-          <a:lnRef idx="2">
-            <a:schemeClr val="accent1">
-              <a:shade val="15000"/>
-            </a:schemeClr>
-          </a:lnRef>
-          <a:fillRef idx="1">
-            <a:schemeClr val="accent1"/>
-          </a:fillRef>
-          <a:effectRef idx="0">
-            <a:schemeClr val="accent1"/>
-          </a:effectRef>
-          <a:fontRef idx="minor">
-            <a:schemeClr val="lt1"/>
-          </a:fontRef>
-        </p:style>
-        <p:txBody>
-          <a:bodyPr rtlCol="0" anchor="ctr"/>
-          <a:lstStyle/>
-          <a:p>
-            <a:pPr algn="ctr"/>
-            <a:r>
-              <a:rPr lang="en-US" altLang="ko-KR" sz="3200" dirty="0"/>
-              <a:t>1</a:t>
-            </a:r>
-            <a:endParaRPr lang="ko-KR" altLang="en-US" sz="3200" dirty="0"/>
-          </a:p>
-        </p:txBody>
-      </p:sp>
-      <p:sp>
-        <p:nvSpPr>
-          <p:cNvPr id="10" name="직사각형 9">
-            <a:extLst>
-              <a:ext uri="{FF2B5EF4-FFF2-40B4-BE49-F238E27FC236}">
-                <a16:creationId xmlns:a16="http://schemas.microsoft.com/office/drawing/2014/main" id="{64BF5B8E-1340-4590-DBFF-6AB6BA63C2FB}"/>
-              </a:ext>
-            </a:extLst>
-          </p:cNvPr>
-          <p:cNvSpPr/>
-          <p:nvPr/>
-        </p:nvSpPr>
-        <p:spPr>
-          <a:xfrm>
-            <a:off x="4575183" y="1698625"/>
-            <a:ext cx="666742" cy="393700"/>
-          </a:xfrm>
-          <a:prstGeom prst="rect">
-            <a:avLst/>
-          </a:prstGeom>
-          <a:solidFill>
-            <a:schemeClr val="bg2"/>
-          </a:solidFill>
-          <a:ln>
-            <a:solidFill>
-              <a:schemeClr val="bg2"/>
-            </a:solidFill>
-          </a:ln>
-        </p:spPr>
-        <p:style>
-          <a:lnRef idx="2">
-            <a:schemeClr val="accent1">
-              <a:shade val="15000"/>
-            </a:schemeClr>
-          </a:lnRef>
-          <a:fillRef idx="1">
-            <a:schemeClr val="accent1"/>
-          </a:fillRef>
-          <a:effectRef idx="0">
-            <a:schemeClr val="accent1"/>
-          </a:effectRef>
-          <a:fontRef idx="minor">
-            <a:schemeClr val="lt1"/>
-          </a:fontRef>
-        </p:style>
-        <p:txBody>
-          <a:bodyPr rtlCol="0" anchor="ctr"/>
-          <a:lstStyle/>
-          <a:p>
-            <a:pPr algn="ctr"/>
-            <a:r>
-              <a:rPr lang="ko-KR" altLang="en-US" dirty="0"/>
               <a:t>연도</a:t>
             </a:r>
             <a:endParaRPr lang="en-US" altLang="ko-KR" dirty="0"/>
@@ -5098,7 +5236,7 @@
     </p:spTree>
     <p:extLst>
       <p:ext uri="{BB962C8B-B14F-4D97-AF65-F5344CB8AC3E}">
-        <p14:creationId xmlns:p14="http://schemas.microsoft.com/office/powerpoint/2010/main" val="3915155458"/>
+        <p14:creationId xmlns:p14="http://schemas.microsoft.com/office/powerpoint/2010/main" val="3597328569"/>
       </p:ext>
     </p:extLst>
   </p:cSld>
@@ -5113,7 +5251,13 @@
   <p:cSld>
     <p:spTree>
       <p:nvGrpSpPr>
-        <p:cNvPr id="1" name=""/>
+        <p:cNvPr id="1" name="">
+          <a:extLst>
+            <a:ext uri="{FF2B5EF4-FFF2-40B4-BE49-F238E27FC236}">
+              <a16:creationId xmlns:a16="http://schemas.microsoft.com/office/drawing/2014/main" id="{9549EB22-935A-5591-B96D-50344BD74A31}"/>
+            </a:ext>
+          </a:extLst>
+        </p:cNvPr>
         <p:cNvGrpSpPr/>
         <p:nvPr/>
       </p:nvGrpSpPr>
@@ -5127,10 +5271,10 @@
       </p:grpSpPr>
       <p:pic>
         <p:nvPicPr>
-          <p:cNvPr id="5" name="그림 4">
-            <a:extLst>
-              <a:ext uri="{FF2B5EF4-FFF2-40B4-BE49-F238E27FC236}">
-                <a16:creationId xmlns:a16="http://schemas.microsoft.com/office/drawing/2014/main" id="{65431C49-BFBA-A4A0-979C-2A9831D79DCF}"/>
+          <p:cNvPr id="11" name="그림 10">
+            <a:extLst>
+              <a:ext uri="{FF2B5EF4-FFF2-40B4-BE49-F238E27FC236}">
+                <a16:creationId xmlns:a16="http://schemas.microsoft.com/office/drawing/2014/main" id="{4DBC2AC1-1F05-254B-A776-5551F7E54056}"/>
               </a:ext>
             </a:extLst>
           </p:cNvPr>
@@ -5141,13 +5285,14 @@
         </p:nvPicPr>
         <p:blipFill>
           <a:blip r:embed="rId2"/>
-          <a:srcRect t="14866"/>
-          <a:stretch/>
+          <a:stretch>
+            <a:fillRect/>
+          </a:stretch>
         </p:blipFill>
         <p:spPr>
           <a:xfrm>
-            <a:off x="3519127" y="2085974"/>
-            <a:ext cx="5390283" cy="3274175"/>
+            <a:off x="3768724" y="2014349"/>
+            <a:ext cx="5124753" cy="3180494"/>
           </a:xfrm>
           <a:prstGeom prst="rect">
             <a:avLst/>
@@ -5159,7 +5304,7 @@
           <p:cNvPr id="6" name="직사각형 5">
             <a:extLst>
               <a:ext uri="{FF2B5EF4-FFF2-40B4-BE49-F238E27FC236}">
-                <a16:creationId xmlns:a16="http://schemas.microsoft.com/office/drawing/2014/main" id="{33E4005F-E756-2F10-EC03-28FBA8733F67}"/>
+                <a16:creationId xmlns:a16="http://schemas.microsoft.com/office/drawing/2014/main" id="{500F55DF-444F-BED3-32EB-CDEC276F25D7}"/>
               </a:ext>
             </a:extLst>
           </p:cNvPr>
@@ -5168,58 +5313,8 @@
         </p:nvSpPr>
         <p:spPr>
           <a:xfrm>
-            <a:off x="4537074" y="1489075"/>
-            <a:ext cx="1393825" cy="393700"/>
-          </a:xfrm>
-          <a:prstGeom prst="rect">
-            <a:avLst/>
-          </a:prstGeom>
-        </p:spPr>
-        <p:style>
-          <a:lnRef idx="2">
-            <a:schemeClr val="accent1">
-              <a:shade val="15000"/>
-            </a:schemeClr>
-          </a:lnRef>
-          <a:fillRef idx="1">
-            <a:schemeClr val="accent1"/>
-          </a:fillRef>
-          <a:effectRef idx="0">
-            <a:schemeClr val="accent1"/>
-          </a:effectRef>
-          <a:fontRef idx="minor">
-            <a:schemeClr val="lt1"/>
-          </a:fontRef>
-        </p:style>
-        <p:txBody>
-          <a:bodyPr rtlCol="0" anchor="ctr"/>
-          <a:lstStyle/>
-          <a:p>
-            <a:pPr algn="ctr"/>
-            <a:r>
-              <a:rPr lang="ko-KR" altLang="en-US" dirty="0"/>
-              <a:t>최종에너지 </a:t>
-            </a:r>
-            <a:endParaRPr lang="en-US" altLang="ko-KR" dirty="0"/>
-          </a:p>
-        </p:txBody>
-      </p:sp>
-      <p:sp>
-        <p:nvSpPr>
-          <p:cNvPr id="7" name="직사각형 6">
-            <a:extLst>
-              <a:ext uri="{FF2B5EF4-FFF2-40B4-BE49-F238E27FC236}">
-                <a16:creationId xmlns:a16="http://schemas.microsoft.com/office/drawing/2014/main" id="{FCD1AE2C-5A00-B0B5-43B0-8DBFAF9D2405}"/>
-              </a:ext>
-            </a:extLst>
-          </p:cNvPr>
-          <p:cNvSpPr/>
-          <p:nvPr/>
-        </p:nvSpPr>
-        <p:spPr>
-          <a:xfrm>
-            <a:off x="6067428" y="1489075"/>
-            <a:ext cx="1393825" cy="393700"/>
+            <a:off x="3717570" y="1497851"/>
+            <a:ext cx="666742" cy="393700"/>
           </a:xfrm>
           <a:prstGeom prst="rect">
             <a:avLst/>
@@ -5255,8 +5350,8 @@
           <a:p>
             <a:pPr algn="ctr"/>
             <a:r>
-              <a:rPr lang="ko-KR" altLang="en-US"/>
-              <a:t>부문별 </a:t>
+              <a:rPr lang="ko-KR" altLang="en-US" dirty="0"/>
+              <a:t>연도</a:t>
             </a:r>
             <a:endParaRPr lang="en-US" altLang="ko-KR" dirty="0"/>
           </a:p>
@@ -5267,7 +5362,7 @@
           <p:cNvPr id="8" name="직사각형 7">
             <a:extLst>
               <a:ext uri="{FF2B5EF4-FFF2-40B4-BE49-F238E27FC236}">
-                <a16:creationId xmlns:a16="http://schemas.microsoft.com/office/drawing/2014/main" id="{D41D08BF-7CF9-20FB-9638-BD8CB42F16D8}"/>
+                <a16:creationId xmlns:a16="http://schemas.microsoft.com/office/drawing/2014/main" id="{9E00A5DB-BFEB-508D-2139-A75ADD953CCB}"/>
               </a:ext>
             </a:extLst>
           </p:cNvPr>
@@ -5276,8 +5371,58 @@
         </p:nvSpPr>
         <p:spPr>
           <a:xfrm>
-            <a:off x="7515586" y="1489075"/>
+            <a:off x="6083661" y="1489075"/>
             <a:ext cx="1393825" cy="393700"/>
+          </a:xfrm>
+          <a:prstGeom prst="rect">
+            <a:avLst/>
+          </a:prstGeom>
+        </p:spPr>
+        <p:style>
+          <a:lnRef idx="2">
+            <a:schemeClr val="accent1">
+              <a:shade val="15000"/>
+            </a:schemeClr>
+          </a:lnRef>
+          <a:fillRef idx="1">
+            <a:schemeClr val="accent1"/>
+          </a:fillRef>
+          <a:effectRef idx="0">
+            <a:schemeClr val="accent1"/>
+          </a:effectRef>
+          <a:fontRef idx="minor">
+            <a:schemeClr val="lt1"/>
+          </a:fontRef>
+        </p:style>
+        <p:txBody>
+          <a:bodyPr rtlCol="0" anchor="ctr"/>
+          <a:lstStyle/>
+          <a:p>
+            <a:pPr algn="ctr"/>
+            <a:r>
+              <a:rPr lang="ko-KR" altLang="en-US" dirty="0"/>
+              <a:t>에너지원별 </a:t>
+            </a:r>
+            <a:endParaRPr lang="en-US" altLang="ko-KR" dirty="0"/>
+          </a:p>
+        </p:txBody>
+      </p:sp>
+      <p:sp>
+        <p:nvSpPr>
+          <p:cNvPr id="10" name="직사각형 9">
+            <a:extLst>
+              <a:ext uri="{FF2B5EF4-FFF2-40B4-BE49-F238E27FC236}">
+                <a16:creationId xmlns:a16="http://schemas.microsoft.com/office/drawing/2014/main" id="{A2961F13-BFBA-8B45-085D-61DCB817390C}"/>
+              </a:ext>
+            </a:extLst>
+          </p:cNvPr>
+          <p:cNvSpPr/>
+          <p:nvPr/>
+        </p:nvSpPr>
+        <p:spPr>
+          <a:xfrm>
+            <a:off x="4720053" y="1497851"/>
+            <a:ext cx="976071" cy="393700"/>
           </a:xfrm>
           <a:prstGeom prst="rect">
             <a:avLst/>
@@ -5314,7 +5459,7 @@
             <a:pPr algn="ctr"/>
             <a:r>
               <a:rPr lang="ko-KR" altLang="en-US" dirty="0"/>
-              <a:t>에너지원별</a:t>
+              <a:t>발전량</a:t>
             </a:r>
             <a:endParaRPr lang="en-US" altLang="ko-KR" dirty="0"/>
           </a:p>
@@ -5322,10 +5467,10 @@
       </p:sp>
       <p:sp>
         <p:nvSpPr>
-          <p:cNvPr id="2" name="직사각형 1">
-            <a:extLst>
-              <a:ext uri="{FF2B5EF4-FFF2-40B4-BE49-F238E27FC236}">
-                <a16:creationId xmlns:a16="http://schemas.microsoft.com/office/drawing/2014/main" id="{5BD619E7-A746-ED94-9CD3-C7F742B70A50}"/>
+          <p:cNvPr id="12" name="직사각형 11">
+            <a:extLst>
+              <a:ext uri="{FF2B5EF4-FFF2-40B4-BE49-F238E27FC236}">
+                <a16:creationId xmlns:a16="http://schemas.microsoft.com/office/drawing/2014/main" id="{D2C5DCD5-D2B1-FE0F-4D65-828077608C3B}"/>
               </a:ext>
             </a:extLst>
           </p:cNvPr>
@@ -5334,20 +5479,15 @@
         </p:nvSpPr>
         <p:spPr>
           <a:xfrm>
-            <a:off x="3717570" y="1497851"/>
-            <a:ext cx="666742" cy="393700"/>
+            <a:off x="3808601" y="1975607"/>
+            <a:ext cx="809537" cy="486562"/>
           </a:xfrm>
           <a:prstGeom prst="rect">
             <a:avLst/>
           </a:prstGeom>
           <a:solidFill>
-            <a:schemeClr val="bg2"/>
+            <a:schemeClr val="bg1"/>
           </a:solidFill>
-          <a:ln>
-            <a:solidFill>
-              <a:schemeClr val="bg2"/>
-            </a:solidFill>
-          </a:ln>
         </p:spPr>
         <p:style>
           <a:lnRef idx="2">
@@ -5371,17 +5511,203 @@
           <a:p>
             <a:pPr algn="ctr"/>
             <a:r>
-              <a:rPr lang="ko-KR" altLang="en-US" dirty="0"/>
-              <a:t>연도</a:t>
-            </a:r>
-            <a:endParaRPr lang="en-US" altLang="ko-KR" dirty="0"/>
+              <a:rPr lang="ko-KR" altLang="en-US">
+                <a:solidFill>
+                  <a:schemeClr val="tx1"/>
+                </a:solidFill>
+              </a:rPr>
+              <a:t>석탄</a:t>
+            </a:r>
+            <a:endParaRPr lang="ko-KR" altLang="en-US" dirty="0">
+              <a:solidFill>
+                <a:schemeClr val="tx1"/>
+              </a:solidFill>
+            </a:endParaRPr>
+          </a:p>
+        </p:txBody>
+      </p:sp>
+      <p:sp>
+        <p:nvSpPr>
+          <p:cNvPr id="13" name="직사각형 12">
+            <a:extLst>
+              <a:ext uri="{FF2B5EF4-FFF2-40B4-BE49-F238E27FC236}">
+                <a16:creationId xmlns:a16="http://schemas.microsoft.com/office/drawing/2014/main" id="{820C4725-2E7D-7321-947C-3B6E4519D2E6}"/>
+              </a:ext>
+            </a:extLst>
+          </p:cNvPr>
+          <p:cNvSpPr/>
+          <p:nvPr/>
+        </p:nvSpPr>
+        <p:spPr>
+          <a:xfrm>
+            <a:off x="5322814" y="1975607"/>
+            <a:ext cx="809537" cy="486562"/>
+          </a:xfrm>
+          <a:prstGeom prst="rect">
+            <a:avLst/>
+          </a:prstGeom>
+          <a:solidFill>
+            <a:schemeClr val="bg1"/>
+          </a:solidFill>
+        </p:spPr>
+        <p:style>
+          <a:lnRef idx="2">
+            <a:schemeClr val="accent1">
+              <a:shade val="15000"/>
+            </a:schemeClr>
+          </a:lnRef>
+          <a:fillRef idx="1">
+            <a:schemeClr val="accent1"/>
+          </a:fillRef>
+          <a:effectRef idx="0">
+            <a:schemeClr val="accent1"/>
+          </a:effectRef>
+          <a:fontRef idx="minor">
+            <a:schemeClr val="lt1"/>
+          </a:fontRef>
+        </p:style>
+        <p:txBody>
+          <a:bodyPr rtlCol="0" anchor="ctr"/>
+          <a:lstStyle/>
+          <a:p>
+            <a:pPr algn="ctr"/>
+            <a:r>
+              <a:rPr lang="ko-KR" altLang="en-US" dirty="0">
+                <a:solidFill>
+                  <a:schemeClr val="tx1"/>
+                </a:solidFill>
+              </a:rPr>
+              <a:t>가스</a:t>
+            </a:r>
+          </a:p>
+        </p:txBody>
+      </p:sp>
+      <p:sp>
+        <p:nvSpPr>
+          <p:cNvPr id="15" name="직사각형 14">
+            <a:extLst>
+              <a:ext uri="{FF2B5EF4-FFF2-40B4-BE49-F238E27FC236}">
+                <a16:creationId xmlns:a16="http://schemas.microsoft.com/office/drawing/2014/main" id="{387B66BD-2FE6-3842-36C3-CFC5B612D2C2}"/>
+              </a:ext>
+            </a:extLst>
+          </p:cNvPr>
+          <p:cNvSpPr/>
+          <p:nvPr/>
+        </p:nvSpPr>
+        <p:spPr>
+          <a:xfrm>
+            <a:off x="6606329" y="1975607"/>
+            <a:ext cx="809537" cy="486562"/>
+          </a:xfrm>
+          <a:prstGeom prst="rect">
+            <a:avLst/>
+          </a:prstGeom>
+          <a:solidFill>
+            <a:schemeClr val="bg1"/>
+          </a:solidFill>
+        </p:spPr>
+        <p:style>
+          <a:lnRef idx="2">
+            <a:schemeClr val="accent1">
+              <a:shade val="15000"/>
+            </a:schemeClr>
+          </a:lnRef>
+          <a:fillRef idx="1">
+            <a:schemeClr val="accent1"/>
+          </a:fillRef>
+          <a:effectRef idx="0">
+            <a:schemeClr val="accent1"/>
+          </a:effectRef>
+          <a:fontRef idx="minor">
+            <a:schemeClr val="lt1"/>
+          </a:fontRef>
+        </p:style>
+        <p:txBody>
+          <a:bodyPr rtlCol="0" anchor="ctr"/>
+          <a:lstStyle/>
+          <a:p>
+            <a:pPr algn="ctr"/>
+            <a:r>
+              <a:rPr lang="en-US" altLang="ko-KR" dirty="0">
+                <a:solidFill>
+                  <a:schemeClr val="tx1"/>
+                </a:solidFill>
+              </a:rPr>
+              <a:t>….</a:t>
+            </a:r>
+            <a:endParaRPr lang="ko-KR" altLang="en-US" dirty="0">
+              <a:solidFill>
+                <a:schemeClr val="tx1"/>
+              </a:solidFill>
+            </a:endParaRPr>
+          </a:p>
+        </p:txBody>
+      </p:sp>
+      <p:sp>
+        <p:nvSpPr>
+          <p:cNvPr id="16" name="직사각형 15">
+            <a:extLst>
+              <a:ext uri="{FF2B5EF4-FFF2-40B4-BE49-F238E27FC236}">
+                <a16:creationId xmlns:a16="http://schemas.microsoft.com/office/drawing/2014/main" id="{F86BEE6F-8657-E47A-C665-DEDC9A27C421}"/>
+              </a:ext>
+            </a:extLst>
+          </p:cNvPr>
+          <p:cNvSpPr/>
+          <p:nvPr/>
+        </p:nvSpPr>
+        <p:spPr>
+          <a:xfrm>
+            <a:off x="7916161" y="1975607"/>
+            <a:ext cx="900668" cy="486562"/>
+          </a:xfrm>
+          <a:prstGeom prst="rect">
+            <a:avLst/>
+          </a:prstGeom>
+          <a:solidFill>
+            <a:schemeClr val="bg1"/>
+          </a:solidFill>
+        </p:spPr>
+        <p:style>
+          <a:lnRef idx="2">
+            <a:schemeClr val="accent1">
+              <a:shade val="15000"/>
+            </a:schemeClr>
+          </a:lnRef>
+          <a:fillRef idx="1">
+            <a:schemeClr val="accent1"/>
+          </a:fillRef>
+          <a:effectRef idx="0">
+            <a:schemeClr val="accent1"/>
+          </a:effectRef>
+          <a:fontRef idx="minor">
+            <a:schemeClr val="lt1"/>
+          </a:fontRef>
+        </p:style>
+        <p:txBody>
+          <a:bodyPr rtlCol="0" anchor="ctr"/>
+          <a:lstStyle/>
+          <a:p>
+            <a:pPr algn="ctr"/>
+            <a:r>
+              <a:rPr lang="ko-KR" altLang="en-US">
+                <a:solidFill>
+                  <a:schemeClr val="tx1"/>
+                </a:solidFill>
+              </a:rPr>
+              <a:t>원자력</a:t>
+            </a:r>
+            <a:endParaRPr lang="ko-KR" altLang="en-US" dirty="0">
+              <a:solidFill>
+                <a:schemeClr val="tx1"/>
+              </a:solidFill>
+            </a:endParaRPr>
           </a:p>
         </p:txBody>
       </p:sp>
     </p:spTree>
     <p:extLst>
       <p:ext uri="{BB962C8B-B14F-4D97-AF65-F5344CB8AC3E}">
-        <p14:creationId xmlns:p14="http://schemas.microsoft.com/office/powerpoint/2010/main" val="2222109541"/>
+        <p14:creationId xmlns:p14="http://schemas.microsoft.com/office/powerpoint/2010/main" val="1063841837"/>
       </p:ext>
     </p:extLst>
   </p:cSld>
@@ -5408,12 +5734,46 @@
           <a:chExt cx="0" cy="0"/>
         </a:xfrm>
       </p:grpSpPr>
-      <p:sp>
-        <p:nvSpPr>
-          <p:cNvPr id="7" name="직사각형 6">
-            <a:extLst>
-              <a:ext uri="{FF2B5EF4-FFF2-40B4-BE49-F238E27FC236}">
-                <a16:creationId xmlns:a16="http://schemas.microsoft.com/office/drawing/2014/main" id="{58D4A63F-A28C-D62F-548B-B0E7342DAD1E}"/>
+      <p:pic>
+        <p:nvPicPr>
+          <p:cNvPr id="4" name="그림 3">
+            <a:extLst>
+              <a:ext uri="{FF2B5EF4-FFF2-40B4-BE49-F238E27FC236}">
+                <a16:creationId xmlns:a16="http://schemas.microsoft.com/office/drawing/2014/main" id="{792DF1D8-CA39-1802-1F32-0824AE1C0705}"/>
+              </a:ext>
+            </a:extLst>
+          </p:cNvPr>
+          <p:cNvPicPr>
+            <a:picLocks noChangeAspect="1"/>
+          </p:cNvPicPr>
+          <p:nvPr/>
+        </p:nvPicPr>
+        <p:blipFill rotWithShape="1">
+          <a:blip r:embed="rId2"/>
+          <a:srcRect b="56484"/>
+          <a:stretch/>
+        </p:blipFill>
+        <p:spPr>
+          <a:xfrm>
+            <a:off x="723900" y="95641"/>
+            <a:ext cx="8369299" cy="6666718"/>
+          </a:xfrm>
+          <a:prstGeom prst="rect">
+            <a:avLst/>
+          </a:prstGeom>
+          <a:ln>
+            <a:solidFill>
+              <a:schemeClr val="tx1"/>
+            </a:solidFill>
+          </a:ln>
+        </p:spPr>
+      </p:pic>
+      <p:sp>
+        <p:nvSpPr>
+          <p:cNvPr id="5" name="직사각형 4">
+            <a:extLst>
+              <a:ext uri="{FF2B5EF4-FFF2-40B4-BE49-F238E27FC236}">
+                <a16:creationId xmlns:a16="http://schemas.microsoft.com/office/drawing/2014/main" id="{01C60341-3B58-4FCD-0925-BB5BA330BB77}"/>
               </a:ext>
             </a:extLst>
           </p:cNvPr>
@@ -5422,7 +5782,57 @@
         </p:nvSpPr>
         <p:spPr>
           <a:xfrm>
-            <a:off x="7515586" y="1489075"/>
+            <a:off x="5343524" y="1698625"/>
+            <a:ext cx="1393825" cy="393700"/>
+          </a:xfrm>
+          <a:prstGeom prst="rect">
+            <a:avLst/>
+          </a:prstGeom>
+        </p:spPr>
+        <p:style>
+          <a:lnRef idx="2">
+            <a:schemeClr val="accent1">
+              <a:shade val="15000"/>
+            </a:schemeClr>
+          </a:lnRef>
+          <a:fillRef idx="1">
+            <a:schemeClr val="accent1"/>
+          </a:fillRef>
+          <a:effectRef idx="0">
+            <a:schemeClr val="accent1"/>
+          </a:effectRef>
+          <a:fontRef idx="minor">
+            <a:schemeClr val="lt1"/>
+          </a:fontRef>
+        </p:style>
+        <p:txBody>
+          <a:bodyPr rtlCol="0" anchor="ctr"/>
+          <a:lstStyle/>
+          <a:p>
+            <a:pPr algn="ctr"/>
+            <a:r>
+              <a:rPr lang="ko-KR" altLang="en-US" dirty="0"/>
+              <a:t>최종에너지 </a:t>
+            </a:r>
+            <a:endParaRPr lang="en-US" altLang="ko-KR" dirty="0"/>
+          </a:p>
+        </p:txBody>
+      </p:sp>
+      <p:sp>
+        <p:nvSpPr>
+          <p:cNvPr id="6" name="직사각형 5">
+            <a:extLst>
+              <a:ext uri="{FF2B5EF4-FFF2-40B4-BE49-F238E27FC236}">
+                <a16:creationId xmlns:a16="http://schemas.microsoft.com/office/drawing/2014/main" id="{BA7A35C0-5335-37CE-6526-FF4B0B81E55A}"/>
+              </a:ext>
+            </a:extLst>
+          </p:cNvPr>
+          <p:cNvSpPr/>
+          <p:nvPr/>
+        </p:nvSpPr>
+        <p:spPr>
+          <a:xfrm>
+            <a:off x="6835778" y="1698625"/>
             <a:ext cx="1393825" cy="393700"/>
           </a:xfrm>
           <a:prstGeom prst="rect">
@@ -5459,8 +5869,8 @@
           <a:p>
             <a:pPr algn="ctr"/>
             <a:r>
-              <a:rPr lang="ko-KR" altLang="en-US" dirty="0"/>
-              <a:t>에너지원별</a:t>
+              <a:rPr lang="ko-KR" altLang="en-US"/>
+              <a:t>부문별 </a:t>
             </a:r>
             <a:endParaRPr lang="en-US" altLang="ko-KR" dirty="0"/>
           </a:p>
@@ -5468,10 +5878,10 @@
       </p:sp>
       <p:sp>
         <p:nvSpPr>
-          <p:cNvPr id="9" name="직사각형 8">
-            <a:extLst>
-              <a:ext uri="{FF2B5EF4-FFF2-40B4-BE49-F238E27FC236}">
-                <a16:creationId xmlns:a16="http://schemas.microsoft.com/office/drawing/2014/main" id="{AF78E181-58FE-25A0-587E-86B4724B6333}"/>
+          <p:cNvPr id="7" name="직사각형 6">
+            <a:extLst>
+              <a:ext uri="{FF2B5EF4-FFF2-40B4-BE49-F238E27FC236}">
+                <a16:creationId xmlns:a16="http://schemas.microsoft.com/office/drawing/2014/main" id="{6AEE7A44-69EB-4944-DF6A-589E0E742C76}"/>
               </a:ext>
             </a:extLst>
           </p:cNvPr>
@@ -5480,7 +5890,7 @@
         </p:nvSpPr>
         <p:spPr>
           <a:xfrm>
-            <a:off x="4559661" y="1489075"/>
+            <a:off x="8328032" y="1698625"/>
             <a:ext cx="1393825" cy="393700"/>
           </a:xfrm>
           <a:prstGeom prst="rect">
@@ -5518,62 +5928,38 @@
             <a:pPr algn="ctr"/>
             <a:r>
               <a:rPr lang="ko-KR" altLang="en-US" dirty="0"/>
-              <a:t>최종에너지</a:t>
+              <a:t>에너지원별</a:t>
             </a:r>
             <a:endParaRPr lang="en-US" altLang="ko-KR" dirty="0"/>
           </a:p>
         </p:txBody>
       </p:sp>
-      <p:pic>
-        <p:nvPicPr>
-          <p:cNvPr id="11" name="그림 10">
-            <a:extLst>
-              <a:ext uri="{FF2B5EF4-FFF2-40B4-BE49-F238E27FC236}">
-                <a16:creationId xmlns:a16="http://schemas.microsoft.com/office/drawing/2014/main" id="{052E91EF-07CE-2392-BFF9-ABF14EB3C32F}"/>
-              </a:ext>
-            </a:extLst>
-          </p:cNvPr>
-          <p:cNvPicPr>
-            <a:picLocks noChangeAspect="1"/>
-          </p:cNvPicPr>
-          <p:nvPr/>
-        </p:nvPicPr>
-        <p:blipFill>
-          <a:blip r:embed="rId2"/>
-          <a:stretch>
-            <a:fillRect/>
-          </a:stretch>
-        </p:blipFill>
-        <p:spPr>
-          <a:xfrm>
-            <a:off x="3768724" y="2014349"/>
-            <a:ext cx="5124753" cy="3180494"/>
+      <p:sp>
+        <p:nvSpPr>
+          <p:cNvPr id="8" name="직사각형 7">
+            <a:extLst>
+              <a:ext uri="{FF2B5EF4-FFF2-40B4-BE49-F238E27FC236}">
+                <a16:creationId xmlns:a16="http://schemas.microsoft.com/office/drawing/2014/main" id="{12D83040-FA58-D016-5947-06C14BDA83CD}"/>
+              </a:ext>
+            </a:extLst>
+          </p:cNvPr>
+          <p:cNvSpPr/>
+          <p:nvPr/>
+        </p:nvSpPr>
+        <p:spPr>
+          <a:xfrm>
+            <a:off x="4375150" y="1511300"/>
+            <a:ext cx="5626100" cy="711200"/>
           </a:xfrm>
           <a:prstGeom prst="rect">
             <a:avLst/>
           </a:prstGeom>
-        </p:spPr>
-      </p:pic>
-      <p:sp>
-        <p:nvSpPr>
-          <p:cNvPr id="2" name="직사각형 1">
-            <a:extLst>
-              <a:ext uri="{FF2B5EF4-FFF2-40B4-BE49-F238E27FC236}">
-                <a16:creationId xmlns:a16="http://schemas.microsoft.com/office/drawing/2014/main" id="{02B28717-3608-9E80-A341-EF5AB7E25B9C}"/>
-              </a:ext>
-            </a:extLst>
-          </p:cNvPr>
-          <p:cNvSpPr/>
-          <p:nvPr/>
-        </p:nvSpPr>
-        <p:spPr>
-          <a:xfrm>
-            <a:off x="6007162" y="1489075"/>
-            <a:ext cx="1393825" cy="393700"/>
-          </a:xfrm>
-          <a:prstGeom prst="rect">
-            <a:avLst/>
-          </a:prstGeom>
+          <a:noFill/>
+          <a:ln w="41275">
+            <a:solidFill>
+              <a:srgbClr val="FF0000"/>
+            </a:solidFill>
+          </a:ln>
         </p:spPr>
         <p:style>
           <a:lnRef idx="2">
@@ -5596,20 +5982,16 @@
           <a:lstStyle/>
           <a:p>
             <a:pPr algn="ctr"/>
-            <a:r>
-              <a:rPr lang="ko-KR" altLang="en-US" dirty="0"/>
-              <a:t>부문별 </a:t>
-            </a:r>
-            <a:endParaRPr lang="en-US" altLang="ko-KR" dirty="0"/>
-          </a:p>
-        </p:txBody>
-      </p:sp>
-      <p:sp>
-        <p:nvSpPr>
-          <p:cNvPr id="3" name="직사각형 2">
-            <a:extLst>
-              <a:ext uri="{FF2B5EF4-FFF2-40B4-BE49-F238E27FC236}">
-                <a16:creationId xmlns:a16="http://schemas.microsoft.com/office/drawing/2014/main" id="{21D26B53-C218-BBF8-BF2E-278FED559F69}"/>
+            <a:endParaRPr lang="ko-KR" altLang="en-US"/>
+          </a:p>
+        </p:txBody>
+      </p:sp>
+      <p:sp>
+        <p:nvSpPr>
+          <p:cNvPr id="9" name="직사각형 8">
+            <a:extLst>
+              <a:ext uri="{FF2B5EF4-FFF2-40B4-BE49-F238E27FC236}">
+                <a16:creationId xmlns:a16="http://schemas.microsoft.com/office/drawing/2014/main" id="{BCA06C11-0788-A7B0-7C06-B96F407ED9E0}"/>
               </a:ext>
             </a:extLst>
           </p:cNvPr>
@@ -5618,8 +6000,195 @@
         </p:nvSpPr>
         <p:spPr>
           <a:xfrm>
-            <a:off x="7566268" y="1489075"/>
-            <a:ext cx="1393825" cy="393700"/>
+            <a:off x="9486900" y="660400"/>
+            <a:ext cx="4775200" cy="711200"/>
+          </a:xfrm>
+          <a:prstGeom prst="rect">
+            <a:avLst/>
+          </a:prstGeom>
+          <a:noFill/>
+          <a:ln w="41275">
+            <a:solidFill>
+              <a:srgbClr val="FF0000"/>
+            </a:solidFill>
+          </a:ln>
+        </p:spPr>
+        <p:style>
+          <a:lnRef idx="2">
+            <a:schemeClr val="accent1">
+              <a:shade val="15000"/>
+            </a:schemeClr>
+          </a:lnRef>
+          <a:fillRef idx="1">
+            <a:schemeClr val="accent1"/>
+          </a:fillRef>
+          <a:effectRef idx="0">
+            <a:schemeClr val="accent1"/>
+          </a:effectRef>
+          <a:fontRef idx="minor">
+            <a:schemeClr val="lt1"/>
+          </a:fontRef>
+        </p:style>
+        <p:txBody>
+          <a:bodyPr rtlCol="0" anchor="ctr"/>
+          <a:lstStyle/>
+          <a:p>
+            <a:pPr algn="ctr"/>
+            <a:r>
+              <a:rPr lang="ko-KR" altLang="en-US" dirty="0">
+                <a:solidFill>
+                  <a:srgbClr val="FF0000"/>
+                </a:solidFill>
+              </a:rPr>
+              <a:t>연도</a:t>
+            </a:r>
+            <a:r>
+              <a:rPr lang="en-US" altLang="ko-KR" dirty="0">
+                <a:solidFill>
+                  <a:srgbClr val="FF0000"/>
+                </a:solidFill>
+              </a:rPr>
+              <a:t>, </a:t>
+            </a:r>
+            <a:r>
+              <a:rPr lang="ko-KR" altLang="en-US" dirty="0">
+                <a:solidFill>
+                  <a:srgbClr val="FF0000"/>
+                </a:solidFill>
+              </a:rPr>
+              <a:t>부문별</a:t>
+            </a:r>
+            <a:r>
+              <a:rPr lang="en-US" altLang="ko-KR" dirty="0">
+                <a:solidFill>
+                  <a:srgbClr val="FF0000"/>
+                </a:solidFill>
+              </a:rPr>
+              <a:t>, </a:t>
+            </a:r>
+            <a:r>
+              <a:rPr lang="ko-KR" altLang="en-US" dirty="0">
+                <a:solidFill>
+                  <a:srgbClr val="FF0000"/>
+                </a:solidFill>
+              </a:rPr>
+              <a:t>에너지원별 추가</a:t>
+            </a:r>
+          </a:p>
+        </p:txBody>
+      </p:sp>
+      <p:cxnSp>
+        <p:nvCxnSpPr>
+          <p:cNvPr id="11" name="직선 화살표 연결선 10">
+            <a:extLst>
+              <a:ext uri="{FF2B5EF4-FFF2-40B4-BE49-F238E27FC236}">
+                <a16:creationId xmlns:a16="http://schemas.microsoft.com/office/drawing/2014/main" id="{3ADB6B2F-4375-CB3C-EDF9-11AA33438DC3}"/>
+              </a:ext>
+            </a:extLst>
+          </p:cNvPr>
+          <p:cNvCxnSpPr>
+            <a:cxnSpLocks/>
+            <a:stCxn id="8" idx="3"/>
+            <a:endCxn id="9" idx="2"/>
+          </p:cNvCxnSpPr>
+          <p:nvPr/>
+        </p:nvCxnSpPr>
+        <p:spPr>
+          <a:xfrm flipV="1">
+            <a:off x="10001250" y="1371600"/>
+            <a:ext cx="1873250" cy="495300"/>
+          </a:xfrm>
+          <a:prstGeom prst="straightConnector1">
+            <a:avLst/>
+          </a:prstGeom>
+          <a:ln>
+            <a:tailEnd type="triangle"/>
+          </a:ln>
+        </p:spPr>
+        <p:style>
+          <a:lnRef idx="2">
+            <a:schemeClr val="accent1"/>
+          </a:lnRef>
+          <a:fillRef idx="0">
+            <a:schemeClr val="accent1"/>
+          </a:fillRef>
+          <a:effectRef idx="1">
+            <a:schemeClr val="accent1"/>
+          </a:effectRef>
+          <a:fontRef idx="minor">
+            <a:schemeClr val="tx1"/>
+          </a:fontRef>
+        </p:style>
+      </p:cxnSp>
+      <p:sp>
+        <p:nvSpPr>
+          <p:cNvPr id="13" name="타원 12">
+            <a:extLst>
+              <a:ext uri="{FF2B5EF4-FFF2-40B4-BE49-F238E27FC236}">
+                <a16:creationId xmlns:a16="http://schemas.microsoft.com/office/drawing/2014/main" id="{41FB6BDD-C49B-E43D-CF15-1068B96667E5}"/>
+              </a:ext>
+            </a:extLst>
+          </p:cNvPr>
+          <p:cNvSpPr/>
+          <p:nvPr/>
+        </p:nvSpPr>
+        <p:spPr>
+          <a:xfrm>
+            <a:off x="12859352" y="-361559"/>
+            <a:ext cx="914400" cy="914400"/>
+          </a:xfrm>
+          <a:prstGeom prst="ellipse">
+            <a:avLst/>
+          </a:prstGeom>
+          <a:solidFill>
+            <a:srgbClr val="FF0000"/>
+          </a:solidFill>
+        </p:spPr>
+        <p:style>
+          <a:lnRef idx="2">
+            <a:schemeClr val="accent1">
+              <a:shade val="15000"/>
+            </a:schemeClr>
+          </a:lnRef>
+          <a:fillRef idx="1">
+            <a:schemeClr val="accent1"/>
+          </a:fillRef>
+          <a:effectRef idx="0">
+            <a:schemeClr val="accent1"/>
+          </a:effectRef>
+          <a:fontRef idx="minor">
+            <a:schemeClr val="lt1"/>
+          </a:fontRef>
+        </p:style>
+        <p:txBody>
+          <a:bodyPr rtlCol="0" anchor="ctr"/>
+          <a:lstStyle/>
+          <a:p>
+            <a:pPr algn="ctr"/>
+            <a:r>
+              <a:rPr lang="en-US" altLang="ko-KR" sz="3200" dirty="0"/>
+              <a:t>1</a:t>
+            </a:r>
+            <a:endParaRPr lang="ko-KR" altLang="en-US" sz="3200" dirty="0"/>
+          </a:p>
+        </p:txBody>
+      </p:sp>
+      <p:sp>
+        <p:nvSpPr>
+          <p:cNvPr id="10" name="직사각형 9">
+            <a:extLst>
+              <a:ext uri="{FF2B5EF4-FFF2-40B4-BE49-F238E27FC236}">
+                <a16:creationId xmlns:a16="http://schemas.microsoft.com/office/drawing/2014/main" id="{64BF5B8E-1340-4590-DBFF-6AB6BA63C2FB}"/>
+              </a:ext>
+            </a:extLst>
+          </p:cNvPr>
+          <p:cNvSpPr/>
+          <p:nvPr/>
+        </p:nvSpPr>
+        <p:spPr>
+          <a:xfrm>
+            <a:off x="4575183" y="1698625"/>
+            <a:ext cx="666742" cy="393700"/>
           </a:xfrm>
           <a:prstGeom prst="rect">
             <a:avLst/>
@@ -5656,64 +6225,6 @@
             <a:pPr algn="ctr"/>
             <a:r>
               <a:rPr lang="ko-KR" altLang="en-US" dirty="0"/>
-              <a:t>에너지원별</a:t>
-            </a:r>
-            <a:endParaRPr lang="en-US" altLang="ko-KR" dirty="0"/>
-          </a:p>
-        </p:txBody>
-      </p:sp>
-      <p:sp>
-        <p:nvSpPr>
-          <p:cNvPr id="14" name="직사각형 13">
-            <a:extLst>
-              <a:ext uri="{FF2B5EF4-FFF2-40B4-BE49-F238E27FC236}">
-                <a16:creationId xmlns:a16="http://schemas.microsoft.com/office/drawing/2014/main" id="{78B27FE6-8F7A-1DB0-AD2F-386BB89B5F05}"/>
-              </a:ext>
-            </a:extLst>
-          </p:cNvPr>
-          <p:cNvSpPr/>
-          <p:nvPr/>
-        </p:nvSpPr>
-        <p:spPr>
-          <a:xfrm>
-            <a:off x="3717570" y="1497851"/>
-            <a:ext cx="666742" cy="393700"/>
-          </a:xfrm>
-          <a:prstGeom prst="rect">
-            <a:avLst/>
-          </a:prstGeom>
-          <a:solidFill>
-            <a:schemeClr val="bg2"/>
-          </a:solidFill>
-          <a:ln>
-            <a:solidFill>
-              <a:schemeClr val="bg2"/>
-            </a:solidFill>
-          </a:ln>
-        </p:spPr>
-        <p:style>
-          <a:lnRef idx="2">
-            <a:schemeClr val="accent1">
-              <a:shade val="15000"/>
-            </a:schemeClr>
-          </a:lnRef>
-          <a:fillRef idx="1">
-            <a:schemeClr val="accent1"/>
-          </a:fillRef>
-          <a:effectRef idx="0">
-            <a:schemeClr val="accent1"/>
-          </a:effectRef>
-          <a:fontRef idx="minor">
-            <a:schemeClr val="lt1"/>
-          </a:fontRef>
-        </p:style>
-        <p:txBody>
-          <a:bodyPr rtlCol="0" anchor="ctr"/>
-          <a:lstStyle/>
-          <a:p>
-            <a:pPr algn="ctr"/>
-            <a:r>
-              <a:rPr lang="ko-KR" altLang="en-US" dirty="0"/>
               <a:t>연도</a:t>
             </a:r>
             <a:endParaRPr lang="en-US" altLang="ko-KR" dirty="0"/>
@@ -5723,7 +6234,7 @@
     </p:spTree>
     <p:extLst>
       <p:ext uri="{BB962C8B-B14F-4D97-AF65-F5344CB8AC3E}">
-        <p14:creationId xmlns:p14="http://schemas.microsoft.com/office/powerpoint/2010/main" val="2232739485"/>
+        <p14:creationId xmlns:p14="http://schemas.microsoft.com/office/powerpoint/2010/main" val="3915155458"/>
       </p:ext>
     </p:extLst>
   </p:cSld>
@@ -5752,6 +6263,631 @@
       </p:grpSpPr>
       <p:pic>
         <p:nvPicPr>
+          <p:cNvPr id="5" name="그림 4">
+            <a:extLst>
+              <a:ext uri="{FF2B5EF4-FFF2-40B4-BE49-F238E27FC236}">
+                <a16:creationId xmlns:a16="http://schemas.microsoft.com/office/drawing/2014/main" id="{65431C49-BFBA-A4A0-979C-2A9831D79DCF}"/>
+              </a:ext>
+            </a:extLst>
+          </p:cNvPr>
+          <p:cNvPicPr>
+            <a:picLocks noChangeAspect="1"/>
+          </p:cNvPicPr>
+          <p:nvPr/>
+        </p:nvPicPr>
+        <p:blipFill>
+          <a:blip r:embed="rId2"/>
+          <a:srcRect t="14866"/>
+          <a:stretch/>
+        </p:blipFill>
+        <p:spPr>
+          <a:xfrm>
+            <a:off x="3519127" y="2085974"/>
+            <a:ext cx="5390283" cy="3274175"/>
+          </a:xfrm>
+          <a:prstGeom prst="rect">
+            <a:avLst/>
+          </a:prstGeom>
+        </p:spPr>
+      </p:pic>
+      <p:sp>
+        <p:nvSpPr>
+          <p:cNvPr id="6" name="직사각형 5">
+            <a:extLst>
+              <a:ext uri="{FF2B5EF4-FFF2-40B4-BE49-F238E27FC236}">
+                <a16:creationId xmlns:a16="http://schemas.microsoft.com/office/drawing/2014/main" id="{33E4005F-E756-2F10-EC03-28FBA8733F67}"/>
+              </a:ext>
+            </a:extLst>
+          </p:cNvPr>
+          <p:cNvSpPr/>
+          <p:nvPr/>
+        </p:nvSpPr>
+        <p:spPr>
+          <a:xfrm>
+            <a:off x="4537074" y="1489075"/>
+            <a:ext cx="1393825" cy="393700"/>
+          </a:xfrm>
+          <a:prstGeom prst="rect">
+            <a:avLst/>
+          </a:prstGeom>
+        </p:spPr>
+        <p:style>
+          <a:lnRef idx="2">
+            <a:schemeClr val="accent1">
+              <a:shade val="15000"/>
+            </a:schemeClr>
+          </a:lnRef>
+          <a:fillRef idx="1">
+            <a:schemeClr val="accent1"/>
+          </a:fillRef>
+          <a:effectRef idx="0">
+            <a:schemeClr val="accent1"/>
+          </a:effectRef>
+          <a:fontRef idx="minor">
+            <a:schemeClr val="lt1"/>
+          </a:fontRef>
+        </p:style>
+        <p:txBody>
+          <a:bodyPr rtlCol="0" anchor="ctr"/>
+          <a:lstStyle/>
+          <a:p>
+            <a:pPr algn="ctr"/>
+            <a:r>
+              <a:rPr lang="ko-KR" altLang="en-US" dirty="0"/>
+              <a:t>최종에너지 </a:t>
+            </a:r>
+            <a:endParaRPr lang="en-US" altLang="ko-KR" dirty="0"/>
+          </a:p>
+        </p:txBody>
+      </p:sp>
+      <p:sp>
+        <p:nvSpPr>
+          <p:cNvPr id="7" name="직사각형 6">
+            <a:extLst>
+              <a:ext uri="{FF2B5EF4-FFF2-40B4-BE49-F238E27FC236}">
+                <a16:creationId xmlns:a16="http://schemas.microsoft.com/office/drawing/2014/main" id="{FCD1AE2C-5A00-B0B5-43B0-8DBFAF9D2405}"/>
+              </a:ext>
+            </a:extLst>
+          </p:cNvPr>
+          <p:cNvSpPr/>
+          <p:nvPr/>
+        </p:nvSpPr>
+        <p:spPr>
+          <a:xfrm>
+            <a:off x="6067428" y="1489075"/>
+            <a:ext cx="1393825" cy="393700"/>
+          </a:xfrm>
+          <a:prstGeom prst="rect">
+            <a:avLst/>
+          </a:prstGeom>
+          <a:solidFill>
+            <a:schemeClr val="bg2"/>
+          </a:solidFill>
+          <a:ln>
+            <a:solidFill>
+              <a:schemeClr val="bg2"/>
+            </a:solidFill>
+          </a:ln>
+        </p:spPr>
+        <p:style>
+          <a:lnRef idx="2">
+            <a:schemeClr val="accent1">
+              <a:shade val="15000"/>
+            </a:schemeClr>
+          </a:lnRef>
+          <a:fillRef idx="1">
+            <a:schemeClr val="accent1"/>
+          </a:fillRef>
+          <a:effectRef idx="0">
+            <a:schemeClr val="accent1"/>
+          </a:effectRef>
+          <a:fontRef idx="minor">
+            <a:schemeClr val="lt1"/>
+          </a:fontRef>
+        </p:style>
+        <p:txBody>
+          <a:bodyPr rtlCol="0" anchor="ctr"/>
+          <a:lstStyle/>
+          <a:p>
+            <a:pPr algn="ctr"/>
+            <a:r>
+              <a:rPr lang="ko-KR" altLang="en-US"/>
+              <a:t>부문별 </a:t>
+            </a:r>
+            <a:endParaRPr lang="en-US" altLang="ko-KR" dirty="0"/>
+          </a:p>
+        </p:txBody>
+      </p:sp>
+      <p:sp>
+        <p:nvSpPr>
+          <p:cNvPr id="8" name="직사각형 7">
+            <a:extLst>
+              <a:ext uri="{FF2B5EF4-FFF2-40B4-BE49-F238E27FC236}">
+                <a16:creationId xmlns:a16="http://schemas.microsoft.com/office/drawing/2014/main" id="{D41D08BF-7CF9-20FB-9638-BD8CB42F16D8}"/>
+              </a:ext>
+            </a:extLst>
+          </p:cNvPr>
+          <p:cNvSpPr/>
+          <p:nvPr/>
+        </p:nvSpPr>
+        <p:spPr>
+          <a:xfrm>
+            <a:off x="7515586" y="1489075"/>
+            <a:ext cx="1393825" cy="393700"/>
+          </a:xfrm>
+          <a:prstGeom prst="rect">
+            <a:avLst/>
+          </a:prstGeom>
+          <a:solidFill>
+            <a:schemeClr val="bg2"/>
+          </a:solidFill>
+          <a:ln>
+            <a:solidFill>
+              <a:schemeClr val="bg2"/>
+            </a:solidFill>
+          </a:ln>
+        </p:spPr>
+        <p:style>
+          <a:lnRef idx="2">
+            <a:schemeClr val="accent1">
+              <a:shade val="15000"/>
+            </a:schemeClr>
+          </a:lnRef>
+          <a:fillRef idx="1">
+            <a:schemeClr val="accent1"/>
+          </a:fillRef>
+          <a:effectRef idx="0">
+            <a:schemeClr val="accent1"/>
+          </a:effectRef>
+          <a:fontRef idx="minor">
+            <a:schemeClr val="lt1"/>
+          </a:fontRef>
+        </p:style>
+        <p:txBody>
+          <a:bodyPr rtlCol="0" anchor="ctr"/>
+          <a:lstStyle/>
+          <a:p>
+            <a:pPr algn="ctr"/>
+            <a:r>
+              <a:rPr lang="ko-KR" altLang="en-US" dirty="0"/>
+              <a:t>에너지원별</a:t>
+            </a:r>
+            <a:endParaRPr lang="en-US" altLang="ko-KR" dirty="0"/>
+          </a:p>
+        </p:txBody>
+      </p:sp>
+      <p:sp>
+        <p:nvSpPr>
+          <p:cNvPr id="2" name="직사각형 1">
+            <a:extLst>
+              <a:ext uri="{FF2B5EF4-FFF2-40B4-BE49-F238E27FC236}">
+                <a16:creationId xmlns:a16="http://schemas.microsoft.com/office/drawing/2014/main" id="{5BD619E7-A746-ED94-9CD3-C7F742B70A50}"/>
+              </a:ext>
+            </a:extLst>
+          </p:cNvPr>
+          <p:cNvSpPr/>
+          <p:nvPr/>
+        </p:nvSpPr>
+        <p:spPr>
+          <a:xfrm>
+            <a:off x="3717570" y="1497851"/>
+            <a:ext cx="666742" cy="393700"/>
+          </a:xfrm>
+          <a:prstGeom prst="rect">
+            <a:avLst/>
+          </a:prstGeom>
+          <a:solidFill>
+            <a:schemeClr val="bg2"/>
+          </a:solidFill>
+          <a:ln>
+            <a:solidFill>
+              <a:schemeClr val="bg2"/>
+            </a:solidFill>
+          </a:ln>
+        </p:spPr>
+        <p:style>
+          <a:lnRef idx="2">
+            <a:schemeClr val="accent1">
+              <a:shade val="15000"/>
+            </a:schemeClr>
+          </a:lnRef>
+          <a:fillRef idx="1">
+            <a:schemeClr val="accent1"/>
+          </a:fillRef>
+          <a:effectRef idx="0">
+            <a:schemeClr val="accent1"/>
+          </a:effectRef>
+          <a:fontRef idx="minor">
+            <a:schemeClr val="lt1"/>
+          </a:fontRef>
+        </p:style>
+        <p:txBody>
+          <a:bodyPr rtlCol="0" anchor="ctr"/>
+          <a:lstStyle/>
+          <a:p>
+            <a:pPr algn="ctr"/>
+            <a:r>
+              <a:rPr lang="ko-KR" altLang="en-US" dirty="0"/>
+              <a:t>연도</a:t>
+            </a:r>
+            <a:endParaRPr lang="en-US" altLang="ko-KR" dirty="0"/>
+          </a:p>
+        </p:txBody>
+      </p:sp>
+    </p:spTree>
+    <p:extLst>
+      <p:ext uri="{BB962C8B-B14F-4D97-AF65-F5344CB8AC3E}">
+        <p14:creationId xmlns:p14="http://schemas.microsoft.com/office/powerpoint/2010/main" val="2222109541"/>
+      </p:ext>
+    </p:extLst>
+  </p:cSld>
+  <p:clrMapOvr>
+    <a:masterClrMapping/>
+  </p:clrMapOvr>
+</p:sld>
+</file>
+
+<file path=ppt/slides/slide7.xml><?xml version="1.0" encoding="utf-8"?>
+<p:sld xmlns:a="http://schemas.openxmlformats.org/drawingml/2006/main" xmlns:r="http://schemas.openxmlformats.org/officeDocument/2006/relationships" xmlns:p="http://schemas.openxmlformats.org/presentationml/2006/main">
+  <p:cSld>
+    <p:spTree>
+      <p:nvGrpSpPr>
+        <p:cNvPr id="1" name=""/>
+        <p:cNvGrpSpPr/>
+        <p:nvPr/>
+      </p:nvGrpSpPr>
+      <p:grpSpPr>
+        <a:xfrm>
+          <a:off x="0" y="0"/>
+          <a:ext cx="0" cy="0"/>
+          <a:chOff x="0" y="0"/>
+          <a:chExt cx="0" cy="0"/>
+        </a:xfrm>
+      </p:grpSpPr>
+      <p:sp>
+        <p:nvSpPr>
+          <p:cNvPr id="7" name="직사각형 6">
+            <a:extLst>
+              <a:ext uri="{FF2B5EF4-FFF2-40B4-BE49-F238E27FC236}">
+                <a16:creationId xmlns:a16="http://schemas.microsoft.com/office/drawing/2014/main" id="{58D4A63F-A28C-D62F-548B-B0E7342DAD1E}"/>
+              </a:ext>
+            </a:extLst>
+          </p:cNvPr>
+          <p:cNvSpPr/>
+          <p:nvPr/>
+        </p:nvSpPr>
+        <p:spPr>
+          <a:xfrm>
+            <a:off x="7515586" y="1489075"/>
+            <a:ext cx="1393825" cy="393700"/>
+          </a:xfrm>
+          <a:prstGeom prst="rect">
+            <a:avLst/>
+          </a:prstGeom>
+          <a:solidFill>
+            <a:schemeClr val="bg2"/>
+          </a:solidFill>
+          <a:ln>
+            <a:solidFill>
+              <a:schemeClr val="bg2"/>
+            </a:solidFill>
+          </a:ln>
+        </p:spPr>
+        <p:style>
+          <a:lnRef idx="2">
+            <a:schemeClr val="accent1">
+              <a:shade val="15000"/>
+            </a:schemeClr>
+          </a:lnRef>
+          <a:fillRef idx="1">
+            <a:schemeClr val="accent1"/>
+          </a:fillRef>
+          <a:effectRef idx="0">
+            <a:schemeClr val="accent1"/>
+          </a:effectRef>
+          <a:fontRef idx="minor">
+            <a:schemeClr val="lt1"/>
+          </a:fontRef>
+        </p:style>
+        <p:txBody>
+          <a:bodyPr rtlCol="0" anchor="ctr"/>
+          <a:lstStyle/>
+          <a:p>
+            <a:pPr algn="ctr"/>
+            <a:r>
+              <a:rPr lang="ko-KR" altLang="en-US" dirty="0"/>
+              <a:t>에너지원별</a:t>
+            </a:r>
+            <a:endParaRPr lang="en-US" altLang="ko-KR" dirty="0"/>
+          </a:p>
+        </p:txBody>
+      </p:sp>
+      <p:sp>
+        <p:nvSpPr>
+          <p:cNvPr id="9" name="직사각형 8">
+            <a:extLst>
+              <a:ext uri="{FF2B5EF4-FFF2-40B4-BE49-F238E27FC236}">
+                <a16:creationId xmlns:a16="http://schemas.microsoft.com/office/drawing/2014/main" id="{AF78E181-58FE-25A0-587E-86B4724B6333}"/>
+              </a:ext>
+            </a:extLst>
+          </p:cNvPr>
+          <p:cNvSpPr/>
+          <p:nvPr/>
+        </p:nvSpPr>
+        <p:spPr>
+          <a:xfrm>
+            <a:off x="4559661" y="1489075"/>
+            <a:ext cx="1393825" cy="393700"/>
+          </a:xfrm>
+          <a:prstGeom prst="rect">
+            <a:avLst/>
+          </a:prstGeom>
+          <a:solidFill>
+            <a:schemeClr val="bg2"/>
+          </a:solidFill>
+          <a:ln>
+            <a:solidFill>
+              <a:schemeClr val="bg2"/>
+            </a:solidFill>
+          </a:ln>
+        </p:spPr>
+        <p:style>
+          <a:lnRef idx="2">
+            <a:schemeClr val="accent1">
+              <a:shade val="15000"/>
+            </a:schemeClr>
+          </a:lnRef>
+          <a:fillRef idx="1">
+            <a:schemeClr val="accent1"/>
+          </a:fillRef>
+          <a:effectRef idx="0">
+            <a:schemeClr val="accent1"/>
+          </a:effectRef>
+          <a:fontRef idx="minor">
+            <a:schemeClr val="lt1"/>
+          </a:fontRef>
+        </p:style>
+        <p:txBody>
+          <a:bodyPr rtlCol="0" anchor="ctr"/>
+          <a:lstStyle/>
+          <a:p>
+            <a:pPr algn="ctr"/>
+            <a:r>
+              <a:rPr lang="ko-KR" altLang="en-US" dirty="0"/>
+              <a:t>최종에너지</a:t>
+            </a:r>
+            <a:endParaRPr lang="en-US" altLang="ko-KR" dirty="0"/>
+          </a:p>
+        </p:txBody>
+      </p:sp>
+      <p:pic>
+        <p:nvPicPr>
+          <p:cNvPr id="11" name="그림 10">
+            <a:extLst>
+              <a:ext uri="{FF2B5EF4-FFF2-40B4-BE49-F238E27FC236}">
+                <a16:creationId xmlns:a16="http://schemas.microsoft.com/office/drawing/2014/main" id="{052E91EF-07CE-2392-BFF9-ABF14EB3C32F}"/>
+              </a:ext>
+            </a:extLst>
+          </p:cNvPr>
+          <p:cNvPicPr>
+            <a:picLocks noChangeAspect="1"/>
+          </p:cNvPicPr>
+          <p:nvPr/>
+        </p:nvPicPr>
+        <p:blipFill>
+          <a:blip r:embed="rId2"/>
+          <a:stretch>
+            <a:fillRect/>
+          </a:stretch>
+        </p:blipFill>
+        <p:spPr>
+          <a:xfrm>
+            <a:off x="3768724" y="2014349"/>
+            <a:ext cx="5124753" cy="3180494"/>
+          </a:xfrm>
+          <a:prstGeom prst="rect">
+            <a:avLst/>
+          </a:prstGeom>
+        </p:spPr>
+      </p:pic>
+      <p:sp>
+        <p:nvSpPr>
+          <p:cNvPr id="2" name="직사각형 1">
+            <a:extLst>
+              <a:ext uri="{FF2B5EF4-FFF2-40B4-BE49-F238E27FC236}">
+                <a16:creationId xmlns:a16="http://schemas.microsoft.com/office/drawing/2014/main" id="{02B28717-3608-9E80-A341-EF5AB7E25B9C}"/>
+              </a:ext>
+            </a:extLst>
+          </p:cNvPr>
+          <p:cNvSpPr/>
+          <p:nvPr/>
+        </p:nvSpPr>
+        <p:spPr>
+          <a:xfrm>
+            <a:off x="6007162" y="1489075"/>
+            <a:ext cx="1393825" cy="393700"/>
+          </a:xfrm>
+          <a:prstGeom prst="rect">
+            <a:avLst/>
+          </a:prstGeom>
+        </p:spPr>
+        <p:style>
+          <a:lnRef idx="2">
+            <a:schemeClr val="accent1">
+              <a:shade val="15000"/>
+            </a:schemeClr>
+          </a:lnRef>
+          <a:fillRef idx="1">
+            <a:schemeClr val="accent1"/>
+          </a:fillRef>
+          <a:effectRef idx="0">
+            <a:schemeClr val="accent1"/>
+          </a:effectRef>
+          <a:fontRef idx="minor">
+            <a:schemeClr val="lt1"/>
+          </a:fontRef>
+        </p:style>
+        <p:txBody>
+          <a:bodyPr rtlCol="0" anchor="ctr"/>
+          <a:lstStyle/>
+          <a:p>
+            <a:pPr algn="ctr"/>
+            <a:r>
+              <a:rPr lang="ko-KR" altLang="en-US" dirty="0"/>
+              <a:t>부문별 </a:t>
+            </a:r>
+            <a:endParaRPr lang="en-US" altLang="ko-KR" dirty="0"/>
+          </a:p>
+        </p:txBody>
+      </p:sp>
+      <p:sp>
+        <p:nvSpPr>
+          <p:cNvPr id="3" name="직사각형 2">
+            <a:extLst>
+              <a:ext uri="{FF2B5EF4-FFF2-40B4-BE49-F238E27FC236}">
+                <a16:creationId xmlns:a16="http://schemas.microsoft.com/office/drawing/2014/main" id="{21D26B53-C218-BBF8-BF2E-278FED559F69}"/>
+              </a:ext>
+            </a:extLst>
+          </p:cNvPr>
+          <p:cNvSpPr/>
+          <p:nvPr/>
+        </p:nvSpPr>
+        <p:spPr>
+          <a:xfrm>
+            <a:off x="7566268" y="1489075"/>
+            <a:ext cx="1393825" cy="393700"/>
+          </a:xfrm>
+          <a:prstGeom prst="rect">
+            <a:avLst/>
+          </a:prstGeom>
+          <a:solidFill>
+            <a:schemeClr val="bg2"/>
+          </a:solidFill>
+          <a:ln>
+            <a:solidFill>
+              <a:schemeClr val="bg2"/>
+            </a:solidFill>
+          </a:ln>
+        </p:spPr>
+        <p:style>
+          <a:lnRef idx="2">
+            <a:schemeClr val="accent1">
+              <a:shade val="15000"/>
+            </a:schemeClr>
+          </a:lnRef>
+          <a:fillRef idx="1">
+            <a:schemeClr val="accent1"/>
+          </a:fillRef>
+          <a:effectRef idx="0">
+            <a:schemeClr val="accent1"/>
+          </a:effectRef>
+          <a:fontRef idx="minor">
+            <a:schemeClr val="lt1"/>
+          </a:fontRef>
+        </p:style>
+        <p:txBody>
+          <a:bodyPr rtlCol="0" anchor="ctr"/>
+          <a:lstStyle/>
+          <a:p>
+            <a:pPr algn="ctr"/>
+            <a:r>
+              <a:rPr lang="ko-KR" altLang="en-US" dirty="0"/>
+              <a:t>에너지원별</a:t>
+            </a:r>
+            <a:endParaRPr lang="en-US" altLang="ko-KR" dirty="0"/>
+          </a:p>
+        </p:txBody>
+      </p:sp>
+      <p:sp>
+        <p:nvSpPr>
+          <p:cNvPr id="14" name="직사각형 13">
+            <a:extLst>
+              <a:ext uri="{FF2B5EF4-FFF2-40B4-BE49-F238E27FC236}">
+                <a16:creationId xmlns:a16="http://schemas.microsoft.com/office/drawing/2014/main" id="{78B27FE6-8F7A-1DB0-AD2F-386BB89B5F05}"/>
+              </a:ext>
+            </a:extLst>
+          </p:cNvPr>
+          <p:cNvSpPr/>
+          <p:nvPr/>
+        </p:nvSpPr>
+        <p:spPr>
+          <a:xfrm>
+            <a:off x="3717570" y="1497851"/>
+            <a:ext cx="666742" cy="393700"/>
+          </a:xfrm>
+          <a:prstGeom prst="rect">
+            <a:avLst/>
+          </a:prstGeom>
+          <a:solidFill>
+            <a:schemeClr val="bg2"/>
+          </a:solidFill>
+          <a:ln>
+            <a:solidFill>
+              <a:schemeClr val="bg2"/>
+            </a:solidFill>
+          </a:ln>
+        </p:spPr>
+        <p:style>
+          <a:lnRef idx="2">
+            <a:schemeClr val="accent1">
+              <a:shade val="15000"/>
+            </a:schemeClr>
+          </a:lnRef>
+          <a:fillRef idx="1">
+            <a:schemeClr val="accent1"/>
+          </a:fillRef>
+          <a:effectRef idx="0">
+            <a:schemeClr val="accent1"/>
+          </a:effectRef>
+          <a:fontRef idx="minor">
+            <a:schemeClr val="lt1"/>
+          </a:fontRef>
+        </p:style>
+        <p:txBody>
+          <a:bodyPr rtlCol="0" anchor="ctr"/>
+          <a:lstStyle/>
+          <a:p>
+            <a:pPr algn="ctr"/>
+            <a:r>
+              <a:rPr lang="ko-KR" altLang="en-US" dirty="0"/>
+              <a:t>연도</a:t>
+            </a:r>
+            <a:endParaRPr lang="en-US" altLang="ko-KR" dirty="0"/>
+          </a:p>
+        </p:txBody>
+      </p:sp>
+    </p:spTree>
+    <p:extLst>
+      <p:ext uri="{BB962C8B-B14F-4D97-AF65-F5344CB8AC3E}">
+        <p14:creationId xmlns:p14="http://schemas.microsoft.com/office/powerpoint/2010/main" val="2232739485"/>
+      </p:ext>
+    </p:extLst>
+  </p:cSld>
+  <p:clrMapOvr>
+    <a:masterClrMapping/>
+  </p:clrMapOvr>
+</p:sld>
+</file>
+
+<file path=ppt/slides/slide8.xml><?xml version="1.0" encoding="utf-8"?>
+<p:sld xmlns:a="http://schemas.openxmlformats.org/drawingml/2006/main" xmlns:r="http://schemas.openxmlformats.org/officeDocument/2006/relationships" xmlns:p="http://schemas.openxmlformats.org/presentationml/2006/main">
+  <p:cSld>
+    <p:spTree>
+      <p:nvGrpSpPr>
+        <p:cNvPr id="1" name=""/>
+        <p:cNvGrpSpPr/>
+        <p:nvPr/>
+      </p:nvGrpSpPr>
+      <p:grpSpPr>
+        <a:xfrm>
+          <a:off x="0" y="0"/>
+          <a:ext cx="0" cy="0"/>
+          <a:chOff x="0" y="0"/>
+          <a:chExt cx="0" cy="0"/>
+        </a:xfrm>
+      </p:grpSpPr>
+      <p:pic>
+        <p:nvPicPr>
           <p:cNvPr id="4" name="그림 3">
             <a:extLst>
               <a:ext uri="{FF2B5EF4-FFF2-40B4-BE49-F238E27FC236}">
@@ -6124,7 +7260,7 @@
 </p:sld>
 </file>
 
-<file path=ppt/slides/slide7.xml><?xml version="1.0" encoding="utf-8"?>
+<file path=ppt/slides/slide9.xml><?xml version="1.0" encoding="utf-8"?>
 <p:sld xmlns:a="http://schemas.openxmlformats.org/drawingml/2006/main" xmlns:r="http://schemas.openxmlformats.org/officeDocument/2006/relationships" xmlns:p="http://schemas.openxmlformats.org/presentationml/2006/main">
   <p:cSld>
     <p:spTree>
